--- a/Spring Boot Microservices.pptx
+++ b/Spring Boot Microservices.pptx
@@ -5,10 +5,10 @@
     <p:sldMasterId id="2147483665" r:id="rId1"/>
   </p:sldMasterIdLst>
   <p:notesMasterIdLst>
-    <p:notesMasterId r:id="rId23"/>
+    <p:notesMasterId r:id="rId24"/>
   </p:notesMasterIdLst>
   <p:handoutMasterIdLst>
-    <p:handoutMasterId r:id="rId24"/>
+    <p:handoutMasterId r:id="rId25"/>
   </p:handoutMasterIdLst>
   <p:sldIdLst>
     <p:sldId id="480" r:id="rId2"/>
@@ -21,22 +21,23 @@
     <p:sldId id="525" r:id="rId9"/>
     <p:sldId id="526" r:id="rId10"/>
     <p:sldId id="527" r:id="rId11"/>
-    <p:sldId id="484" r:id="rId12"/>
-    <p:sldId id="485" r:id="rId13"/>
-    <p:sldId id="506" r:id="rId14"/>
-    <p:sldId id="497" r:id="rId15"/>
-    <p:sldId id="509" r:id="rId16"/>
-    <p:sldId id="496" r:id="rId17"/>
-    <p:sldId id="514" r:id="rId18"/>
-    <p:sldId id="528" r:id="rId19"/>
-    <p:sldId id="530" r:id="rId20"/>
-    <p:sldId id="529" r:id="rId21"/>
-    <p:sldId id="531" r:id="rId22"/>
+    <p:sldId id="532" r:id="rId12"/>
+    <p:sldId id="484" r:id="rId13"/>
+    <p:sldId id="485" r:id="rId14"/>
+    <p:sldId id="506" r:id="rId15"/>
+    <p:sldId id="497" r:id="rId16"/>
+    <p:sldId id="509" r:id="rId17"/>
+    <p:sldId id="496" r:id="rId18"/>
+    <p:sldId id="514" r:id="rId19"/>
+    <p:sldId id="528" r:id="rId20"/>
+    <p:sldId id="530" r:id="rId21"/>
+    <p:sldId id="529" r:id="rId22"/>
+    <p:sldId id="531" r:id="rId23"/>
   </p:sldIdLst>
   <p:sldSz cx="9144000" cy="6858000" type="screen4x3"/>
   <p:notesSz cx="7099300" cy="10234613"/>
   <p:custDataLst>
-    <p:tags r:id="rId25"/>
+    <p:tags r:id="rId26"/>
   </p:custDataLst>
   <p:kinsoku lang="ja-JP" invalStChars="、。，．・：；？！゛゜ヽヾゝゞ々ー’”）〕］｝〉》」』】°‰′″℃￠％ぁぃぅぇぉっゃゅょゎァィゥェォッャュョヮヵヶ!%),.:;?]}｡｣､･ｧｨｩｪｫｬｭｮｯｰﾞﾟ" invalEndChars="‘“（〔［｛〈《「『【￥＄$([\{｢￡"/>
   <p:defaultTextStyle>
@@ -1074,7 +1075,7 @@
               <a:pPr>
                 <a:defRPr/>
               </a:pPr>
-              <a:t>16</a:t>
+              <a:t>17</a:t>
             </a:fld>
             <a:endParaRPr lang="en-US"/>
           </a:p>
@@ -1223,7 +1224,7 @@
               <a:pPr>
                 <a:defRPr/>
               </a:pPr>
-              <a:t>17</a:t>
+              <a:t>18</a:t>
             </a:fld>
             <a:endParaRPr lang="en-US"/>
           </a:p>
@@ -1372,7 +1373,7 @@
               <a:pPr>
                 <a:defRPr/>
               </a:pPr>
-              <a:t>18</a:t>
+              <a:t>19</a:t>
             </a:fld>
             <a:endParaRPr lang="en-US"/>
           </a:p>
@@ -1521,7 +1522,7 @@
               <a:pPr>
                 <a:defRPr/>
               </a:pPr>
-              <a:t>19</a:t>
+              <a:t>20</a:t>
             </a:fld>
             <a:endParaRPr lang="en-US"/>
           </a:p>
@@ -1670,7 +1671,7 @@
               <a:pPr>
                 <a:defRPr/>
               </a:pPr>
-              <a:t>20</a:t>
+              <a:t>21</a:t>
             </a:fld>
             <a:endParaRPr lang="en-US"/>
           </a:p>
@@ -1819,7 +1820,7 @@
               <a:pPr>
                 <a:defRPr/>
               </a:pPr>
-              <a:t>21</a:t>
+              <a:t>22</a:t>
             </a:fld>
             <a:endParaRPr lang="en-US"/>
           </a:p>
@@ -4729,7 +4730,7 @@
                 </a:solidFill>
                 <a:effectLst/>
               </a:rPr>
-              <a:t>10. Logs</a:t>
+              <a:t>11. Logs</a:t>
             </a:r>
           </a:p>
           <a:p>
@@ -4804,6 +4805,186 @@
 </file>
 
 <file path=ppt/slides/slide11.xml><?xml version="1.0" encoding="utf-8"?>
+<p:sld xmlns:a="http://schemas.openxmlformats.org/drawingml/2006/main" xmlns:r="http://schemas.openxmlformats.org/officeDocument/2006/relationships" xmlns:p="http://schemas.openxmlformats.org/presentationml/2006/main">
+  <p:cSld>
+    <p:spTree>
+      <p:nvGrpSpPr>
+        <p:cNvPr id="1" name=""/>
+        <p:cNvGrpSpPr/>
+        <p:nvPr/>
+      </p:nvGrpSpPr>
+      <p:grpSpPr>
+        <a:xfrm>
+          <a:off x="0" y="0"/>
+          <a:ext cx="0" cy="0"/>
+          <a:chOff x="0" y="0"/>
+          <a:chExt cx="0" cy="0"/>
+        </a:xfrm>
+      </p:grpSpPr>
+      <p:sp>
+        <p:nvSpPr>
+          <p:cNvPr id="33794" name="Rectangle 2"/>
+          <p:cNvSpPr>
+            <a:spLocks noGrp="1" noChangeArrowheads="1"/>
+          </p:cNvSpPr>
+          <p:nvPr>
+            <p:ph type="title"/>
+          </p:nvPr>
+        </p:nvSpPr>
+        <p:spPr>
+          <a:xfrm>
+            <a:off x="457200" y="121436"/>
+            <a:ext cx="8153400" cy="914400"/>
+          </a:xfrm>
+        </p:spPr>
+        <p:txBody>
+          <a:bodyPr/>
+          <a:lstStyle/>
+          <a:p>
+            <a:r>
+              <a:rPr lang="en-IN" b="0" dirty="0"/>
+              <a:t>12 factor approach</a:t>
+            </a:r>
+            <a:endParaRPr lang="en-US" b="0" dirty="0"/>
+          </a:p>
+        </p:txBody>
+      </p:sp>
+      <p:sp>
+        <p:nvSpPr>
+          <p:cNvPr id="33795" name="Rectangle 3"/>
+          <p:cNvSpPr>
+            <a:spLocks noGrp="1" noChangeArrowheads="1"/>
+          </p:cNvSpPr>
+          <p:nvPr>
+            <p:ph type="body" idx="1"/>
+          </p:nvPr>
+        </p:nvSpPr>
+        <p:spPr>
+          <a:xfrm>
+            <a:off x="328642" y="1268760"/>
+            <a:ext cx="8458200" cy="5334000"/>
+          </a:xfrm>
+        </p:spPr>
+        <p:txBody>
+          <a:bodyPr/>
+          <a:lstStyle/>
+          <a:p>
+            <a:pPr marL="0" indent="0">
+              <a:buNone/>
+            </a:pPr>
+            <a:r>
+              <a:rPr lang="en-US" sz="2400" b="0" i="0" dirty="0">
+                <a:solidFill>
+                  <a:schemeClr val="tx1"/>
+                </a:solidFill>
+                <a:effectLst/>
+              </a:rPr>
+              <a:t>12. Admin Processes</a:t>
+            </a:r>
+          </a:p>
+          <a:p>
+            <a:pPr lvl="2"/>
+            <a:r>
+              <a:rPr lang="en-US" sz="1800" b="0" i="0" dirty="0">
+                <a:solidFill>
+                  <a:schemeClr val="tx1"/>
+                </a:solidFill>
+                <a:effectLst/>
+              </a:rPr>
+              <a:t>Separate administrative tasks from the rest of the app to prevent one-off tasks from causing issues with your running apps</a:t>
+            </a:r>
+          </a:p>
+          <a:p>
+            <a:pPr lvl="2"/>
+            <a:r>
+              <a:rPr lang="en-US" sz="1800" b="0" i="0" dirty="0">
+                <a:solidFill>
+                  <a:schemeClr val="tx1"/>
+                </a:solidFill>
+                <a:effectLst/>
+              </a:rPr>
+              <a:t>Containers make this easy, as you can spin up a container just to run a task and then shut it down.</a:t>
+            </a:r>
+          </a:p>
+          <a:p>
+            <a:pPr lvl="2"/>
+            <a:endParaRPr lang="en-US" sz="1800" b="0" i="0" dirty="0">
+              <a:solidFill>
+                <a:schemeClr val="tx1"/>
+              </a:solidFill>
+              <a:effectLst/>
+            </a:endParaRPr>
+          </a:p>
+          <a:p>
+            <a:pPr lvl="2"/>
+            <a:r>
+              <a:rPr lang="en-US" sz="1800" b="0" i="0" dirty="0">
+                <a:solidFill>
+                  <a:schemeClr val="tx1"/>
+                </a:solidFill>
+                <a:effectLst/>
+              </a:rPr>
+              <a:t>Examples include doing data cleanup, running analytics for a presentation</a:t>
+            </a:r>
+          </a:p>
+          <a:p>
+            <a:pPr lvl="2"/>
+            <a:endParaRPr lang="en-US" sz="1800" b="0" i="0" dirty="0">
+              <a:solidFill>
+                <a:schemeClr val="tx1"/>
+              </a:solidFill>
+              <a:effectLst/>
+            </a:endParaRPr>
+          </a:p>
+          <a:p>
+            <a:pPr lvl="2"/>
+            <a:r>
+              <a:rPr lang="en-US" sz="1800" b="0" i="0" dirty="0">
+                <a:solidFill>
+                  <a:schemeClr val="tx1"/>
+                </a:solidFill>
+                <a:effectLst/>
+              </a:rPr>
+              <a:t>Though the admin processes are separate, you must continue to run them in the same environment and against the base code and config of the app itself. </a:t>
+            </a:r>
+          </a:p>
+          <a:p>
+            <a:pPr lvl="2"/>
+            <a:r>
+              <a:rPr lang="en-US" sz="1800" b="0" i="0" dirty="0">
+                <a:solidFill>
+                  <a:schemeClr val="tx1"/>
+                </a:solidFill>
+                <a:effectLst/>
+              </a:rPr>
+              <a:t>Shipping the admin tasks code alongside the app prevents drift.</a:t>
+            </a:r>
+            <a:endParaRPr lang="en-US" sz="1800" b="0" i="0" dirty="0">
+              <a:solidFill>
+                <a:srgbClr val="222635"/>
+              </a:solidFill>
+              <a:effectLst/>
+              <a:highlight>
+                <a:srgbClr val="FFFFFF"/>
+              </a:highlight>
+            </a:endParaRPr>
+          </a:p>
+        </p:txBody>
+      </p:sp>
+    </p:spTree>
+    <p:extLst>
+      <p:ext uri="{BB962C8B-B14F-4D97-AF65-F5344CB8AC3E}">
+        <p14:creationId xmlns:p14="http://schemas.microsoft.com/office/powerpoint/2010/main" val="3222371919"/>
+      </p:ext>
+    </p:extLst>
+  </p:cSld>
+  <p:clrMapOvr>
+    <a:masterClrMapping/>
+  </p:clrMapOvr>
+</p:sld>
+</file>
+
+<file path=ppt/slides/slide12.xml><?xml version="1.0" encoding="utf-8"?>
 <p:sld xmlns:a="http://schemas.openxmlformats.org/drawingml/2006/main" xmlns:r="http://schemas.openxmlformats.org/officeDocument/2006/relationships" xmlns:p="http://schemas.openxmlformats.org/presentationml/2006/main">
   <p:cSld>
     <p:spTree>
@@ -4956,169 +5137,6 @@
 </p:sld>
 </file>
 
-<file path=ppt/slides/slide12.xml><?xml version="1.0" encoding="utf-8"?>
-<p:sld xmlns:a="http://schemas.openxmlformats.org/drawingml/2006/main" xmlns:r="http://schemas.openxmlformats.org/officeDocument/2006/relationships" xmlns:p="http://schemas.openxmlformats.org/presentationml/2006/main">
-  <p:cSld>
-    <p:spTree>
-      <p:nvGrpSpPr>
-        <p:cNvPr id="1" name=""/>
-        <p:cNvGrpSpPr/>
-        <p:nvPr/>
-      </p:nvGrpSpPr>
-      <p:grpSpPr>
-        <a:xfrm>
-          <a:off x="0" y="0"/>
-          <a:ext cx="0" cy="0"/>
-          <a:chOff x="0" y="0"/>
-          <a:chExt cx="0" cy="0"/>
-        </a:xfrm>
-      </p:grpSpPr>
-      <p:sp>
-        <p:nvSpPr>
-          <p:cNvPr id="33794" name="Rectangle 2"/>
-          <p:cNvSpPr>
-            <a:spLocks noGrp="1" noChangeArrowheads="1"/>
-          </p:cNvSpPr>
-          <p:nvPr>
-            <p:ph type="title"/>
-          </p:nvPr>
-        </p:nvSpPr>
-        <p:spPr/>
-        <p:txBody>
-          <a:bodyPr/>
-          <a:lstStyle/>
-          <a:p>
-            <a:r>
-              <a:rPr lang="en-US" b="0" dirty="0"/>
-              <a:t>Spring cloud Micro Service Support</a:t>
-            </a:r>
-          </a:p>
-        </p:txBody>
-      </p:sp>
-      <p:sp>
-        <p:nvSpPr>
-          <p:cNvPr id="33795" name="Rectangle 3"/>
-          <p:cNvSpPr>
-            <a:spLocks noGrp="1" noChangeArrowheads="1"/>
-          </p:cNvSpPr>
-          <p:nvPr>
-            <p:ph type="body" idx="1"/>
-          </p:nvPr>
-        </p:nvSpPr>
-        <p:spPr>
-          <a:xfrm>
-            <a:off x="328642" y="1295400"/>
-            <a:ext cx="8458200" cy="5334000"/>
-          </a:xfrm>
-        </p:spPr>
-        <p:txBody>
-          <a:bodyPr/>
-          <a:lstStyle/>
-          <a:p>
-            <a:r>
-              <a:rPr lang="en-US" sz="2000" dirty="0"/>
-              <a:t>New service can be created using Spring Boot</a:t>
-            </a:r>
-          </a:p>
-          <a:p>
-            <a:r>
-              <a:rPr lang="en-US" sz="2000" dirty="0"/>
-              <a:t>Expose resources via </a:t>
-            </a:r>
-            <a:r>
-              <a:rPr lang="en-US" sz="2000" dirty="0" err="1"/>
-              <a:t>RestController</a:t>
-            </a:r>
-            <a:endParaRPr lang="en-US" sz="2000" dirty="0"/>
-          </a:p>
-          <a:p>
-            <a:r>
-              <a:rPr lang="en-US" sz="2000" dirty="0"/>
-              <a:t>Consume remote services using </a:t>
-            </a:r>
-            <a:r>
-              <a:rPr lang="en-US" sz="2000" b="1" dirty="0" err="1"/>
-              <a:t>RestTemplate</a:t>
-            </a:r>
-            <a:endParaRPr lang="en-US" sz="2000" b="1" dirty="0"/>
-          </a:p>
-          <a:p>
-            <a:pPr marL="0" indent="0">
-              <a:buNone/>
-            </a:pPr>
-            <a:endParaRPr lang="en-US" sz="2000" dirty="0"/>
-          </a:p>
-          <a:p>
-            <a:r>
-              <a:rPr lang="en-US" sz="2000" dirty="0"/>
-              <a:t>Spring cloud support</a:t>
-            </a:r>
-          </a:p>
-          <a:p>
-            <a:pPr lvl="1"/>
-            <a:r>
-              <a:rPr lang="en-US" sz="1800" b="1" dirty="0"/>
-              <a:t>Netflix Eureka Discovery Service</a:t>
-            </a:r>
-          </a:p>
-          <a:p>
-            <a:pPr lvl="1"/>
-            <a:r>
-              <a:rPr lang="en-US" sz="1800" b="1" dirty="0"/>
-              <a:t>Netflix Ribbon	</a:t>
-            </a:r>
-            <a:r>
-              <a:rPr lang="en-US" sz="1800" dirty="0"/>
-              <a:t>for load balancing</a:t>
-            </a:r>
-          </a:p>
-          <a:p>
-            <a:pPr lvl="1"/>
-            <a:r>
-              <a:rPr lang="en-US" sz="1800" b="1" dirty="0"/>
-              <a:t>Netflix </a:t>
-            </a:r>
-            <a:r>
-              <a:rPr lang="en-US" sz="1800" b="1" dirty="0" err="1"/>
-              <a:t>Zuul</a:t>
-            </a:r>
-            <a:r>
-              <a:rPr lang="en-US" sz="1800" b="1" dirty="0"/>
-              <a:t> </a:t>
-            </a:r>
-            <a:r>
-              <a:rPr lang="en-US" sz="1800" dirty="0"/>
-              <a:t>	for reverse proxy</a:t>
-            </a:r>
-          </a:p>
-          <a:p>
-            <a:pPr lvl="1"/>
-            <a:r>
-              <a:rPr lang="en-US" sz="1800" b="1" dirty="0"/>
-              <a:t>Netflix Feign client 	</a:t>
-            </a:r>
-            <a:r>
-              <a:rPr lang="en-US" sz="1800" dirty="0"/>
-              <a:t>abstraction to service calls</a:t>
-            </a:r>
-          </a:p>
-          <a:p>
-            <a:pPr lvl="1"/>
-            <a:r>
-              <a:rPr lang="en-US" sz="1800" b="1" dirty="0"/>
-              <a:t> ……… Many others</a:t>
-            </a:r>
-          </a:p>
-        </p:txBody>
-      </p:sp>
-    </p:spTree>
-  </p:cSld>
-  <p:clrMapOvr>
-    <a:masterClrMapping/>
-  </p:clrMapOvr>
-</p:sld>
-</file>
-
 <file path=ppt/slides/slide13.xml><?xml version="1.0" encoding="utf-8"?>
 <p:sld xmlns:a="http://schemas.openxmlformats.org/drawingml/2006/main" xmlns:r="http://schemas.openxmlformats.org/officeDocument/2006/relationships" xmlns:p="http://schemas.openxmlformats.org/presentationml/2006/main">
   <p:cSld>
@@ -5152,12 +5170,8 @@
           <a:lstStyle/>
           <a:p>
             <a:r>
-              <a:rPr lang="en-US" b="0" dirty="0" err="1"/>
-              <a:t>RestTemplate</a:t>
-            </a:r>
-            <a:r>
               <a:rPr lang="en-US" b="0" dirty="0"/>
-              <a:t> example</a:t>
+              <a:t>Spring cloud Micro Service Support</a:t>
             </a:r>
           </a:p>
         </p:txBody>
@@ -5182,216 +5196,103 @@
           <a:bodyPr/>
           <a:lstStyle/>
           <a:p>
+            <a:r>
+              <a:rPr lang="en-US" sz="2000" dirty="0"/>
+              <a:t>New service can be created using Spring Boot</a:t>
+            </a:r>
+          </a:p>
+          <a:p>
+            <a:r>
+              <a:rPr lang="en-US" sz="2000" dirty="0"/>
+              <a:t>Expose resources via </a:t>
+            </a:r>
+            <a:r>
+              <a:rPr lang="en-US" sz="2000" dirty="0" err="1"/>
+              <a:t>RestController</a:t>
+            </a:r>
+            <a:endParaRPr lang="en-US" sz="2000" dirty="0"/>
+          </a:p>
+          <a:p>
+            <a:r>
+              <a:rPr lang="en-US" sz="2000" dirty="0"/>
+              <a:t>Consume remote services using </a:t>
+            </a:r>
+            <a:r>
+              <a:rPr lang="en-US" sz="2000" b="1" dirty="0" err="1"/>
+              <a:t>RestTemplate</a:t>
+            </a:r>
+            <a:endParaRPr lang="en-US" sz="2000" b="1" dirty="0"/>
+          </a:p>
+          <a:p>
             <a:pPr marL="0" indent="0">
               <a:buNone/>
             </a:pPr>
-            <a:endParaRPr lang="en-US" sz="1800" dirty="0"/>
-          </a:p>
-          <a:p>
-            <a:pPr marL="0" indent="0">
-              <a:buNone/>
-            </a:pPr>
-            <a:endParaRPr lang="en-US" sz="1800" dirty="0"/>
-          </a:p>
-          <a:p>
-            <a:pPr marL="0" indent="0">
-              <a:buNone/>
-            </a:pPr>
+            <a:endParaRPr lang="en-US" sz="2000" dirty="0"/>
+          </a:p>
+          <a:p>
+            <a:r>
+              <a:rPr lang="en-US" sz="2000" dirty="0"/>
+              <a:t>Spring cloud support</a:t>
+            </a:r>
+          </a:p>
+          <a:p>
+            <a:pPr lvl="1"/>
+            <a:r>
+              <a:rPr lang="en-US" sz="1800" b="1" dirty="0"/>
+              <a:t>Netflix Eureka Discovery Service</a:t>
+            </a:r>
+          </a:p>
+          <a:p>
+            <a:pPr lvl="1"/>
+            <a:r>
+              <a:rPr lang="en-US" sz="1800" b="1" dirty="0"/>
+              <a:t>Netflix Ribbon	</a:t>
+            </a:r>
             <a:r>
               <a:rPr lang="en-US" sz="1800" dirty="0"/>
-              <a:t>String </a:t>
-            </a:r>
-            <a:r>
-              <a:rPr lang="en-US" sz="1800" dirty="0" err="1"/>
-              <a:t>customerUrl</a:t>
+              <a:t>for load balancing</a:t>
+            </a:r>
+          </a:p>
+          <a:p>
+            <a:pPr lvl="1"/>
+            <a:r>
+              <a:rPr lang="en-US" sz="1800" b="1" dirty="0"/>
+              <a:t>Netflix </a:t>
+            </a:r>
+            <a:r>
+              <a:rPr lang="en-US" sz="1800" b="1" dirty="0" err="1"/>
+              <a:t>Zuul</a:t>
+            </a:r>
+            <a:r>
+              <a:rPr lang="en-US" sz="1800" b="1" dirty="0"/>
+              <a:t> </a:t>
             </a:r>
             <a:r>
               <a:rPr lang="en-US" sz="1800" dirty="0"/>
-              <a:t> = "http://localhost:8081/customers/{id}";</a:t>
-            </a:r>
-          </a:p>
-          <a:p>
-            <a:pPr marL="0" indent="0">
-              <a:buNone/>
-            </a:pPr>
-            <a:r>
-              <a:rPr lang="en-IN" sz="1800" dirty="0"/>
-              <a:t>String </a:t>
-            </a:r>
-            <a:r>
-              <a:rPr lang="en-IN" sz="1800" dirty="0" err="1"/>
-              <a:t>productUrl</a:t>
-            </a:r>
-            <a:r>
-              <a:rPr lang="en-IN" sz="1800" dirty="0"/>
-              <a:t> = "http://localhost:8082/products/{id}";</a:t>
-            </a:r>
-          </a:p>
-          <a:p>
-            <a:pPr marL="0" indent="0">
-              <a:buNone/>
-            </a:pPr>
-            <a:endParaRPr lang="en-IN" sz="1800" dirty="0"/>
-          </a:p>
-          <a:p>
-            <a:pPr marL="0" indent="0">
-              <a:buNone/>
-            </a:pPr>
-            <a:r>
-              <a:rPr lang="en-US" sz="1800" dirty="0" err="1"/>
-              <a:t>RestTemplate</a:t>
+              <a:t>	for reverse proxy</a:t>
+            </a:r>
+          </a:p>
+          <a:p>
+            <a:pPr lvl="1"/>
+            <a:r>
+              <a:rPr lang="en-US" sz="1800" b="1" dirty="0"/>
+              <a:t>Netflix Feign client 	</a:t>
             </a:r>
             <a:r>
               <a:rPr lang="en-US" sz="1800" dirty="0"/>
-              <a:t> template = new </a:t>
-            </a:r>
-            <a:r>
-              <a:rPr lang="en-US" sz="1800" dirty="0" err="1"/>
-              <a:t>Resttemplate</a:t>
-            </a:r>
-            <a:r>
-              <a:rPr lang="en-US" sz="1800" dirty="0"/>
-              <a:t>();</a:t>
-            </a:r>
-          </a:p>
-          <a:p>
-            <a:pPr marL="0" indent="0">
-              <a:buNone/>
-            </a:pPr>
-            <a:endParaRPr lang="en-US" sz="1800" dirty="0"/>
-          </a:p>
-          <a:p>
-            <a:pPr marL="0" indent="0">
-              <a:buNone/>
-            </a:pPr>
-            <a:r>
-              <a:rPr lang="en-US" sz="1800" dirty="0"/>
-              <a:t>Customer </a:t>
-            </a:r>
-            <a:r>
-              <a:rPr lang="en-US" sz="1800" dirty="0" err="1"/>
-              <a:t>customer</a:t>
-            </a:r>
-            <a:r>
-              <a:rPr lang="en-US" sz="1800" dirty="0"/>
-              <a:t> = </a:t>
-            </a:r>
-            <a:r>
-              <a:rPr lang="en-US" sz="1800" dirty="0" err="1"/>
-              <a:t>template.getForObject</a:t>
-            </a:r>
-            <a:r>
-              <a:rPr lang="en-US" sz="1800" dirty="0"/>
-              <a:t>(</a:t>
-            </a:r>
-            <a:r>
-              <a:rPr lang="en-US" sz="1800" dirty="0" err="1"/>
-              <a:t>customerUrl</a:t>
-            </a:r>
-            <a:r>
-              <a:rPr lang="en-US" sz="1800" dirty="0"/>
-              <a:t>, </a:t>
-            </a:r>
-            <a:r>
-              <a:rPr lang="en-US" sz="1800" dirty="0" err="1"/>
-              <a:t>Customer.</a:t>
-            </a:r>
-            <a:r>
-              <a:rPr lang="en-US" sz="1800" b="1" dirty="0" err="1"/>
-              <a:t>class</a:t>
-            </a:r>
+              <a:t>abstraction to service calls</a:t>
+            </a:r>
+          </a:p>
+          <a:p>
+            <a:pPr lvl="1"/>
             <a:r>
               <a:rPr lang="en-US" sz="1800" b="1" dirty="0"/>
-              <a:t>, </a:t>
-            </a:r>
-            <a:r>
-              <a:rPr lang="en-US" sz="1800" b="1" dirty="0" err="1"/>
-              <a:t>customerId</a:t>
-            </a:r>
-            <a:r>
-              <a:rPr lang="en-US" sz="1800" b="1" dirty="0"/>
-              <a:t>);</a:t>
-            </a:r>
-          </a:p>
-          <a:p>
-            <a:pPr marL="0" indent="0">
-              <a:buNone/>
-            </a:pPr>
-            <a:endParaRPr lang="en-US" sz="1800" b="1" dirty="0"/>
-          </a:p>
-          <a:p>
-            <a:pPr marL="0" indent="0">
-              <a:buNone/>
-            </a:pPr>
-            <a:r>
-              <a:rPr lang="en-IN" sz="1800" dirty="0"/>
-              <a:t>Product </a:t>
-            </a:r>
-            <a:r>
-              <a:rPr lang="en-IN" sz="1800" dirty="0" err="1"/>
-              <a:t>product</a:t>
-            </a:r>
-            <a:r>
-              <a:rPr lang="en-IN" sz="1800" dirty="0"/>
-              <a:t> = </a:t>
-            </a:r>
-            <a:r>
-              <a:rPr lang="en-IN" sz="1800" dirty="0" err="1"/>
-              <a:t>template.getForObject</a:t>
-            </a:r>
-            <a:r>
-              <a:rPr lang="en-IN" sz="1800" dirty="0"/>
-              <a:t>(</a:t>
-            </a:r>
-            <a:r>
-              <a:rPr lang="en-IN" sz="1800" dirty="0" err="1"/>
-              <a:t>productUrl</a:t>
-            </a:r>
-            <a:r>
-              <a:rPr lang="en-IN" sz="1800" dirty="0"/>
-              <a:t>, </a:t>
-            </a:r>
-            <a:r>
-              <a:rPr lang="en-IN" sz="1800" dirty="0" err="1"/>
-              <a:t>Product.</a:t>
-            </a:r>
-            <a:r>
-              <a:rPr lang="en-IN" sz="1800" b="1" dirty="0" err="1"/>
-              <a:t>class</a:t>
-            </a:r>
-            <a:r>
-              <a:rPr lang="en-IN" sz="1800" b="1" dirty="0"/>
-              <a:t>, </a:t>
-            </a:r>
-            <a:r>
-              <a:rPr lang="en-IN" sz="1800" b="1" dirty="0" err="1"/>
-              <a:t>productId</a:t>
-            </a:r>
-            <a:r>
-              <a:rPr lang="en-IN" sz="1800" b="1" dirty="0"/>
-              <a:t>);</a:t>
-            </a:r>
-          </a:p>
-          <a:p>
-            <a:pPr marL="0" indent="0">
-              <a:buNone/>
-            </a:pPr>
-            <a:endParaRPr lang="en-IN" sz="1800" b="1" dirty="0"/>
-          </a:p>
-          <a:p>
-            <a:pPr marL="0" indent="0">
-              <a:buNone/>
-            </a:pPr>
-            <a:endParaRPr lang="en-IN" sz="1800" b="1" dirty="0"/>
+              <a:t> ……… Many others</a:t>
+            </a:r>
           </a:p>
         </p:txBody>
       </p:sp>
     </p:spTree>
-    <p:extLst>
-      <p:ext uri="{BB962C8B-B14F-4D97-AF65-F5344CB8AC3E}">
-        <p14:creationId xmlns:p14="http://schemas.microsoft.com/office/powerpoint/2010/main" val="2635158609"/>
-      </p:ext>
-    </p:extLst>
   </p:cSld>
   <p:clrMapOvr>
     <a:masterClrMapping/>
@@ -5432,8 +5333,12 @@
           <a:lstStyle/>
           <a:p>
             <a:r>
+              <a:rPr lang="en-US" b="0" dirty="0" err="1"/>
+              <a:t>RestTemplate</a:t>
+            </a:r>
+            <a:r>
               <a:rPr lang="en-US" b="0" dirty="0"/>
-              <a:t>Eureka Server</a:t>
+              <a:t> example</a:t>
             </a:r>
           </a:p>
         </p:txBody>
@@ -5458,63 +5363,214 @@
           <a:bodyPr/>
           <a:lstStyle/>
           <a:p>
-            <a:r>
-              <a:rPr lang="en-US" dirty="0"/>
-              <a:t>Eureka Server is Netflix discovery service</a:t>
-            </a:r>
-          </a:p>
-          <a:p>
-            <a:r>
-              <a:rPr lang="en-US" dirty="0"/>
-              <a:t>Eureka server is in turn a Eureka client</a:t>
-            </a:r>
-          </a:p>
-          <a:p>
-            <a:r>
-              <a:rPr lang="en-US" dirty="0"/>
-              <a:t>Eureka Clients have to register with </a:t>
-            </a:r>
-            <a:r>
-              <a:rPr lang="en-US" dirty="0" err="1"/>
-              <a:t>EurekaServer</a:t>
-            </a:r>
-            <a:r>
-              <a:rPr lang="en-US" dirty="0"/>
-              <a:t> so that they can be discovered</a:t>
-            </a:r>
-          </a:p>
-          <a:p>
-            <a:r>
-              <a:rPr lang="en-US" dirty="0"/>
-              <a:t>Eureka Clients send heartbeat in fixed interval to show that they are up and running</a:t>
-            </a:r>
-          </a:p>
-          <a:p>
-            <a:r>
-              <a:rPr lang="en-US" dirty="0"/>
-              <a:t>If heartbeat is not received, Eureka Server removes the service from registry</a:t>
-            </a:r>
-          </a:p>
-          <a:p>
-            <a:r>
-              <a:rPr lang="en-US" dirty="0"/>
-              <a:t>Eureka Clients may fetch the registry to know the list of </a:t>
-            </a:r>
-            <a:r>
-              <a:rPr lang="en-US" dirty="0" err="1"/>
-              <a:t>microservices</a:t>
-            </a:r>
-            <a:r>
-              <a:rPr lang="en-US" dirty="0"/>
-              <a:t> available</a:t>
-            </a:r>
+            <a:pPr marL="0" indent="0">
+              <a:buNone/>
+            </a:pPr>
+            <a:endParaRPr lang="en-US" sz="1800" dirty="0"/>
+          </a:p>
+          <a:p>
+            <a:pPr marL="0" indent="0">
+              <a:buNone/>
+            </a:pPr>
+            <a:endParaRPr lang="en-US" sz="1800" dirty="0"/>
+          </a:p>
+          <a:p>
+            <a:pPr marL="0" indent="0">
+              <a:buNone/>
+            </a:pPr>
+            <a:r>
+              <a:rPr lang="en-US" sz="1800" dirty="0"/>
+              <a:t>String </a:t>
+            </a:r>
+            <a:r>
+              <a:rPr lang="en-US" sz="1800" dirty="0" err="1"/>
+              <a:t>customerUrl</a:t>
+            </a:r>
+            <a:r>
+              <a:rPr lang="en-US" sz="1800" dirty="0"/>
+              <a:t> = "http://localhost:8081/customers/{id}";</a:t>
+            </a:r>
+          </a:p>
+          <a:p>
+            <a:pPr marL="0" indent="0">
+              <a:buNone/>
+            </a:pPr>
+            <a:r>
+              <a:rPr lang="en-IN" sz="1800" dirty="0"/>
+              <a:t>String </a:t>
+            </a:r>
+            <a:r>
+              <a:rPr lang="en-IN" sz="1800" dirty="0" err="1"/>
+              <a:t>productUrl</a:t>
+            </a:r>
+            <a:r>
+              <a:rPr lang="en-IN" sz="1800" dirty="0"/>
+              <a:t> = "http://localhost:8082/products/{id}";</a:t>
+            </a:r>
+          </a:p>
+          <a:p>
+            <a:pPr marL="0" indent="0">
+              <a:buNone/>
+            </a:pPr>
+            <a:endParaRPr lang="en-IN" sz="1800" dirty="0"/>
+          </a:p>
+          <a:p>
+            <a:pPr marL="0" indent="0">
+              <a:buNone/>
+            </a:pPr>
+            <a:r>
+              <a:rPr lang="en-US" sz="1800" dirty="0" err="1"/>
+              <a:t>RestTemplate</a:t>
+            </a:r>
+            <a:r>
+              <a:rPr lang="en-US" sz="1800" dirty="0"/>
+              <a:t> template = new </a:t>
+            </a:r>
+            <a:r>
+              <a:rPr lang="en-US" sz="1800" dirty="0" err="1"/>
+              <a:t>Resttemplate</a:t>
+            </a:r>
+            <a:r>
+              <a:rPr lang="en-US" sz="1800" dirty="0"/>
+              <a:t>();</a:t>
+            </a:r>
+          </a:p>
+          <a:p>
+            <a:pPr marL="0" indent="0">
+              <a:buNone/>
+            </a:pPr>
+            <a:endParaRPr lang="en-US" sz="1800" dirty="0"/>
+          </a:p>
+          <a:p>
+            <a:pPr marL="0" indent="0">
+              <a:buNone/>
+            </a:pPr>
+            <a:r>
+              <a:rPr lang="en-US" sz="1800" dirty="0"/>
+              <a:t>Customer </a:t>
+            </a:r>
+            <a:r>
+              <a:rPr lang="en-US" sz="1800" dirty="0" err="1"/>
+              <a:t>customer</a:t>
+            </a:r>
+            <a:r>
+              <a:rPr lang="en-US" sz="1800" dirty="0"/>
+              <a:t> = </a:t>
+            </a:r>
+            <a:r>
+              <a:rPr lang="en-US" sz="1800" dirty="0" err="1"/>
+              <a:t>template.getForObject</a:t>
+            </a:r>
+            <a:r>
+              <a:rPr lang="en-US" sz="1800" dirty="0"/>
+              <a:t>(</a:t>
+            </a:r>
+            <a:r>
+              <a:rPr lang="en-US" sz="1800" dirty="0" err="1"/>
+              <a:t>customerUrl</a:t>
+            </a:r>
+            <a:r>
+              <a:rPr lang="en-US" sz="1800" dirty="0"/>
+              <a:t>, </a:t>
+            </a:r>
+            <a:r>
+              <a:rPr lang="en-US" sz="1800" dirty="0" err="1"/>
+              <a:t>Customer.</a:t>
+            </a:r>
+            <a:r>
+              <a:rPr lang="en-US" sz="1800" b="1" dirty="0" err="1"/>
+              <a:t>class</a:t>
+            </a:r>
+            <a:r>
+              <a:rPr lang="en-US" sz="1800" b="1" dirty="0"/>
+              <a:t>, </a:t>
+            </a:r>
+            <a:r>
+              <a:rPr lang="en-US" sz="1800" b="1" dirty="0" err="1"/>
+              <a:t>customerId</a:t>
+            </a:r>
+            <a:r>
+              <a:rPr lang="en-US" sz="1800" b="1" dirty="0"/>
+              <a:t>);</a:t>
+            </a:r>
+          </a:p>
+          <a:p>
+            <a:pPr marL="0" indent="0">
+              <a:buNone/>
+            </a:pPr>
+            <a:endParaRPr lang="en-US" sz="1800" b="1" dirty="0"/>
+          </a:p>
+          <a:p>
+            <a:pPr marL="0" indent="0">
+              <a:buNone/>
+            </a:pPr>
+            <a:r>
+              <a:rPr lang="en-IN" sz="1800" dirty="0"/>
+              <a:t>Product </a:t>
+            </a:r>
+            <a:r>
+              <a:rPr lang="en-IN" sz="1800" dirty="0" err="1"/>
+              <a:t>product</a:t>
+            </a:r>
+            <a:r>
+              <a:rPr lang="en-IN" sz="1800" dirty="0"/>
+              <a:t> = </a:t>
+            </a:r>
+            <a:r>
+              <a:rPr lang="en-IN" sz="1800" dirty="0" err="1"/>
+              <a:t>template.getForObject</a:t>
+            </a:r>
+            <a:r>
+              <a:rPr lang="en-IN" sz="1800" dirty="0"/>
+              <a:t>(</a:t>
+            </a:r>
+            <a:r>
+              <a:rPr lang="en-IN" sz="1800" dirty="0" err="1"/>
+              <a:t>productUrl</a:t>
+            </a:r>
+            <a:r>
+              <a:rPr lang="en-IN" sz="1800" dirty="0"/>
+              <a:t>, </a:t>
+            </a:r>
+            <a:r>
+              <a:rPr lang="en-IN" sz="1800" dirty="0" err="1"/>
+              <a:t>Product.</a:t>
+            </a:r>
+            <a:r>
+              <a:rPr lang="en-IN" sz="1800" b="1" dirty="0" err="1"/>
+              <a:t>class</a:t>
+            </a:r>
+            <a:r>
+              <a:rPr lang="en-IN" sz="1800" b="1" dirty="0"/>
+              <a:t>, </a:t>
+            </a:r>
+            <a:r>
+              <a:rPr lang="en-IN" sz="1800" b="1" dirty="0" err="1"/>
+              <a:t>productId</a:t>
+            </a:r>
+            <a:r>
+              <a:rPr lang="en-IN" sz="1800" b="1" dirty="0"/>
+              <a:t>);</a:t>
+            </a:r>
+          </a:p>
+          <a:p>
+            <a:pPr marL="0" indent="0">
+              <a:buNone/>
+            </a:pPr>
+            <a:endParaRPr lang="en-IN" sz="1800" b="1" dirty="0"/>
+          </a:p>
+          <a:p>
+            <a:pPr marL="0" indent="0">
+              <a:buNone/>
+            </a:pPr>
+            <a:endParaRPr lang="en-IN" sz="1800" b="1" dirty="0"/>
           </a:p>
         </p:txBody>
       </p:sp>
     </p:spTree>
     <p:extLst>
       <p:ext uri="{BB962C8B-B14F-4D97-AF65-F5344CB8AC3E}">
-        <p14:creationId xmlns:p14="http://schemas.microsoft.com/office/powerpoint/2010/main" val="1049640054"/>
+        <p14:creationId xmlns:p14="http://schemas.microsoft.com/office/powerpoint/2010/main" val="2635158609"/>
       </p:ext>
     </p:extLst>
   </p:cSld>
@@ -5558,7 +5614,7 @@
           <a:p>
             <a:r>
               <a:rPr lang="en-US" b="0" dirty="0"/>
-              <a:t>Create Eureka Server</a:t>
+              <a:t>Eureka Server</a:t>
             </a:r>
           </a:p>
         </p:txBody>
@@ -5584,161 +5640,62 @@
           <a:lstStyle/>
           <a:p>
             <a:r>
-              <a:rPr lang="en-US" sz="2000" dirty="0"/>
-              <a:t>Create a spring boot starter project with the following dependencies</a:t>
-            </a:r>
-          </a:p>
-          <a:p>
-            <a:pPr lvl="2"/>
-            <a:r>
-              <a:rPr lang="en-US" sz="2200" dirty="0"/>
-              <a:t>Eureka server</a:t>
-            </a:r>
-          </a:p>
-          <a:p>
-            <a:pPr lvl="2"/>
-            <a:r>
-              <a:rPr lang="en-US" sz="2200" dirty="0"/>
-              <a:t>Web </a:t>
-            </a:r>
-          </a:p>
-          <a:p>
-            <a:r>
-              <a:rPr lang="en-US" sz="2000" dirty="0"/>
-              <a:t>Use @</a:t>
-            </a:r>
-            <a:r>
-              <a:rPr lang="en-US" sz="2000" dirty="0" err="1"/>
-              <a:t>EnableEurekaServer</a:t>
-            </a:r>
-            <a:r>
-              <a:rPr lang="en-US" sz="2000" dirty="0"/>
-              <a:t> on the application class</a:t>
-            </a:r>
-          </a:p>
-          <a:p>
-            <a:r>
-              <a:rPr lang="en-US" sz="2000" dirty="0"/>
-              <a:t>Provide the following properties</a:t>
-            </a:r>
-          </a:p>
-          <a:p>
-            <a:endParaRPr lang="en-US" sz="2000" dirty="0"/>
-          </a:p>
-          <a:p>
-            <a:pPr lvl="2"/>
-            <a:r>
-              <a:rPr lang="en-IN" sz="2200" dirty="0" err="1">
-                <a:solidFill>
-                  <a:srgbClr val="FF0000"/>
-                </a:solidFill>
-              </a:rPr>
-              <a:t>server.port</a:t>
-            </a:r>
-            <a:r>
-              <a:rPr lang="en-IN" sz="2200" dirty="0">
-                <a:solidFill>
-                  <a:srgbClr val="FF0000"/>
-                </a:solidFill>
-              </a:rPr>
-              <a:t>=8761     (default for eureka server)</a:t>
-            </a:r>
-          </a:p>
-          <a:p>
-            <a:pPr lvl="2"/>
-            <a:r>
-              <a:rPr lang="en-IN" sz="2200" dirty="0" err="1">
-                <a:solidFill>
-                  <a:srgbClr val="FF0000"/>
-                </a:solidFill>
-              </a:rPr>
-              <a:t>eureka.client.register</a:t>
-            </a:r>
-            <a:r>
-              <a:rPr lang="en-IN" sz="2200" dirty="0">
-                <a:solidFill>
-                  <a:srgbClr val="FF0000"/>
-                </a:solidFill>
-              </a:rPr>
-              <a:t>-with-eureka=false</a:t>
-            </a:r>
-          </a:p>
-          <a:p>
-            <a:pPr lvl="2"/>
-            <a:r>
-              <a:rPr lang="en-IN" sz="2200" dirty="0" err="1">
-                <a:solidFill>
-                  <a:srgbClr val="FF0000"/>
-                </a:solidFill>
-              </a:rPr>
-              <a:t>eureka.client.fetch</a:t>
-            </a:r>
-            <a:r>
-              <a:rPr lang="en-IN" sz="2200" dirty="0">
-                <a:solidFill>
-                  <a:srgbClr val="FF0000"/>
-                </a:solidFill>
-              </a:rPr>
-              <a:t>-registry=false</a:t>
-            </a:r>
-          </a:p>
-          <a:p>
-            <a:endParaRPr lang="en-IN" dirty="0">
-              <a:solidFill>
-                <a:srgbClr val="FF0000"/>
-              </a:solidFill>
-            </a:endParaRPr>
-          </a:p>
-          <a:p>
-            <a:r>
-              <a:rPr lang="en-IN" dirty="0">
-                <a:solidFill>
-                  <a:schemeClr val="tx1"/>
-                </a:solidFill>
-              </a:rPr>
-              <a:t>Access with </a:t>
-            </a:r>
-            <a:r>
-              <a:rPr lang="en-IN" dirty="0" err="1">
-                <a:solidFill>
-                  <a:schemeClr val="tx1"/>
-                </a:solidFill>
-              </a:rPr>
-              <a:t>url</a:t>
-            </a:r>
-            <a:r>
-              <a:rPr lang="en-IN" dirty="0">
-                <a:solidFill>
-                  <a:schemeClr val="tx1"/>
-                </a:solidFill>
-              </a:rPr>
-              <a:t> http://host:8761/eureka</a:t>
-            </a:r>
-          </a:p>
-          <a:p>
-            <a:pPr lvl="2"/>
-            <a:endParaRPr lang="en-IN" sz="2200" dirty="0">
-              <a:solidFill>
-                <a:srgbClr val="FF0000"/>
-              </a:solidFill>
-            </a:endParaRPr>
-          </a:p>
-          <a:p>
-            <a:pPr marL="552450" lvl="2" indent="0">
-              <a:buNone/>
-            </a:pPr>
-            <a:endParaRPr lang="en-US" sz="2200" dirty="0">
-              <a:solidFill>
-                <a:srgbClr val="FF0000"/>
-              </a:solidFill>
-            </a:endParaRPr>
+              <a:rPr lang="en-US" dirty="0"/>
+              <a:t>Eureka Server is Netflix discovery service</a:t>
+            </a:r>
+          </a:p>
+          <a:p>
+            <a:r>
+              <a:rPr lang="en-US" dirty="0"/>
+              <a:t>Eureka server is in turn a Eureka client</a:t>
+            </a:r>
+          </a:p>
+          <a:p>
+            <a:r>
+              <a:rPr lang="en-US" dirty="0"/>
+              <a:t>Eureka Clients have to register with </a:t>
+            </a:r>
+            <a:r>
+              <a:rPr lang="en-US" dirty="0" err="1"/>
+              <a:t>EurekaServer</a:t>
+            </a:r>
+            <a:r>
+              <a:rPr lang="en-US" dirty="0"/>
+              <a:t> so that they can be discovered</a:t>
+            </a:r>
+          </a:p>
+          <a:p>
+            <a:r>
+              <a:rPr lang="en-US" dirty="0"/>
+              <a:t>Eureka Clients send heartbeat in fixed interval to show that they are up and running</a:t>
+            </a:r>
+          </a:p>
+          <a:p>
+            <a:r>
+              <a:rPr lang="en-US" dirty="0"/>
+              <a:t>If heartbeat is not received, Eureka Server removes the service from registry</a:t>
+            </a:r>
+          </a:p>
+          <a:p>
+            <a:r>
+              <a:rPr lang="en-US" dirty="0"/>
+              <a:t>Eureka Clients may fetch the registry to know the list of </a:t>
+            </a:r>
+            <a:r>
+              <a:rPr lang="en-US" dirty="0" err="1"/>
+              <a:t>microservices</a:t>
+            </a:r>
+            <a:r>
+              <a:rPr lang="en-US" dirty="0"/>
+              <a:t> available</a:t>
+            </a:r>
           </a:p>
         </p:txBody>
       </p:sp>
     </p:spTree>
     <p:extLst>
       <p:ext uri="{BB962C8B-B14F-4D97-AF65-F5344CB8AC3E}">
-        <p14:creationId xmlns:p14="http://schemas.microsoft.com/office/powerpoint/2010/main" val="1959905490"/>
+        <p14:creationId xmlns:p14="http://schemas.microsoft.com/office/powerpoint/2010/main" val="1049640054"/>
       </p:ext>
     </p:extLst>
   </p:cSld>
@@ -5782,7 +5739,7 @@
           <a:p>
             <a:r>
               <a:rPr lang="en-US" b="0" dirty="0"/>
-              <a:t>Eureka Client</a:t>
+              <a:t>Create Eureka Server</a:t>
             </a:r>
           </a:p>
         </p:txBody>
@@ -5800,7 +5757,7 @@
         <p:spPr>
           <a:xfrm>
             <a:off x="328642" y="1295400"/>
-            <a:ext cx="8635846" cy="5334000"/>
+            <a:ext cx="8458200" cy="5334000"/>
           </a:xfrm>
         </p:spPr>
         <p:txBody>
@@ -5809,15 +5766,6 @@
           <a:p>
             <a:r>
               <a:rPr lang="en-US" sz="2000" dirty="0"/>
-              <a:t> Eureka clients are  discoverable  through eureka server</a:t>
-            </a:r>
-          </a:p>
-          <a:p>
-            <a:endParaRPr lang="en-US" sz="2000" dirty="0"/>
-          </a:p>
-          <a:p>
-            <a:r>
-              <a:rPr lang="en-US" sz="2000" dirty="0"/>
               <a:t>Create a spring boot starter project with the following dependencies</a:t>
             </a:r>
           </a:p>
@@ -5825,7 +5773,7 @@
             <a:pPr lvl="2"/>
             <a:r>
               <a:rPr lang="en-US" sz="2200" dirty="0"/>
-              <a:t>Eureka client</a:t>
+              <a:t>Eureka server</a:t>
             </a:r>
           </a:p>
           <a:p>
@@ -5842,21 +5790,12 @@
             </a:r>
             <a:r>
               <a:rPr lang="en-US" sz="2000" dirty="0" err="1"/>
-              <a:t>EnableDiscoveryClient</a:t>
+              <a:t>EnableEurekaServer</a:t>
             </a:r>
             <a:r>
               <a:rPr lang="en-US" sz="2000" dirty="0"/>
-              <a:t> or @</a:t>
-            </a:r>
-            <a:r>
-              <a:rPr lang="en-US" sz="2000" dirty="0" err="1"/>
-              <a:t>EnableEurekaClient</a:t>
-            </a:r>
-            <a:r>
-              <a:rPr lang="en-US" sz="2000"/>
-              <a:t> </a:t>
-            </a:r>
-            <a:endParaRPr lang="en-US" sz="2000" dirty="0"/>
+              <a:t> on the application class</a:t>
+            </a:r>
           </a:p>
           <a:p>
             <a:r>
@@ -5865,6 +5804,9 @@
             </a:r>
           </a:p>
           <a:p>
+            <a:endParaRPr lang="en-US" sz="2000" dirty="0"/>
+          </a:p>
+          <a:p>
             <a:pPr lvl="2"/>
             <a:r>
               <a:rPr lang="en-IN" sz="2200" dirty="0" err="1">
@@ -5880,27 +5822,82 @@
                   <a:srgbClr val="FF0000"/>
                 </a:solidFill>
               </a:rPr>
-              <a:t>=8082</a:t>
+              <a:t>=8761     (default for eureka server)</a:t>
             </a:r>
           </a:p>
           <a:p>
             <a:pPr lvl="2"/>
             <a:r>
+              <a:rPr lang="en-IN" sz="2200" dirty="0" err="1">
+                <a:solidFill>
+                  <a:srgbClr val="FF0000"/>
+                </a:solidFill>
+              </a:rPr>
+              <a:t>eureka.client.register</a:t>
+            </a:r>
+            <a:r>
               <a:rPr lang="en-IN" sz="2200" dirty="0">
                 <a:solidFill>
                   <a:srgbClr val="FF0000"/>
                 </a:solidFill>
               </a:rPr>
-              <a:t>Spring.application.name=</a:t>
-            </a:r>
+              <a:t>-with-eureka=false</a:t>
+            </a:r>
+          </a:p>
+          <a:p>
+            <a:pPr lvl="2"/>
             <a:r>
               <a:rPr lang="en-IN" sz="2200" dirty="0" err="1">
                 <a:solidFill>
                   <a:srgbClr val="FF0000"/>
                 </a:solidFill>
               </a:rPr>
-              <a:t>servicename</a:t>
-            </a:r>
+              <a:t>eureka.client.fetch</a:t>
+            </a:r>
+            <a:r>
+              <a:rPr lang="en-IN" sz="2200" dirty="0">
+                <a:solidFill>
+                  <a:srgbClr val="FF0000"/>
+                </a:solidFill>
+              </a:rPr>
+              <a:t>-registry=false</a:t>
+            </a:r>
+          </a:p>
+          <a:p>
+            <a:endParaRPr lang="en-IN" dirty="0">
+              <a:solidFill>
+                <a:srgbClr val="FF0000"/>
+              </a:solidFill>
+            </a:endParaRPr>
+          </a:p>
+          <a:p>
+            <a:r>
+              <a:rPr lang="en-IN" dirty="0">
+                <a:solidFill>
+                  <a:schemeClr val="tx1"/>
+                </a:solidFill>
+              </a:rPr>
+              <a:t>Access with </a:t>
+            </a:r>
+            <a:r>
+              <a:rPr lang="en-IN" dirty="0" err="1">
+                <a:solidFill>
+                  <a:schemeClr val="tx1"/>
+                </a:solidFill>
+              </a:rPr>
+              <a:t>url</a:t>
+            </a:r>
+            <a:r>
+              <a:rPr lang="en-IN" dirty="0">
+                <a:solidFill>
+                  <a:schemeClr val="tx1"/>
+                </a:solidFill>
+              </a:rPr>
+              <a:t> http://host:8761/eureka</a:t>
+            </a:r>
+          </a:p>
+          <a:p>
+            <a:pPr lvl="2"/>
             <a:endParaRPr lang="en-IN" sz="2200" dirty="0">
               <a:solidFill>
                 <a:srgbClr val="FF0000"/>
@@ -5908,62 +5905,21 @@
             </a:endParaRPr>
           </a:p>
           <a:p>
-            <a:pPr lvl="2"/>
-            <a:r>
-              <a:rPr lang="en-IN" sz="2200" dirty="0" err="1">
-                <a:solidFill>
-                  <a:srgbClr val="FF0000"/>
-                </a:solidFill>
-              </a:rPr>
-              <a:t>eureka.client.fetch</a:t>
-            </a:r>
-            <a:r>
-              <a:rPr lang="en-IN" sz="2200" dirty="0">
-                <a:solidFill>
-                  <a:srgbClr val="FF0000"/>
-                </a:solidFill>
-              </a:rPr>
-              <a:t>-registry=false</a:t>
-            </a:r>
-          </a:p>
-          <a:p>
-            <a:pPr lvl="2"/>
-            <a:r>
-              <a:rPr lang="en-IN" sz="2000" dirty="0" err="1">
-                <a:solidFill>
-                  <a:srgbClr val="FF0000"/>
-                </a:solidFill>
-              </a:rPr>
-              <a:t>eureka.client.serviceUrl.defaultZone</a:t>
-            </a:r>
-            <a:r>
-              <a:rPr lang="en-IN" sz="2000" dirty="0">
-                <a:solidFill>
-                  <a:srgbClr val="FF0000"/>
-                </a:solidFill>
-              </a:rPr>
-              <a:t> = http://localhost:8761/eureka</a:t>
-            </a:r>
-          </a:p>
-          <a:p>
             <a:pPr marL="552450" lvl="2" indent="0">
               <a:buNone/>
             </a:pPr>
-            <a:r>
-              <a:rPr lang="en-US" sz="2200" dirty="0">
-                <a:solidFill>
-                  <a:schemeClr val="tx1"/>
-                </a:solidFill>
-              </a:rPr>
-              <a:t>(above property not required if eureka server runs on 8761)</a:t>
-            </a:r>
+            <a:endParaRPr lang="en-US" sz="2200" dirty="0">
+              <a:solidFill>
+                <a:srgbClr val="FF0000"/>
+              </a:solidFill>
+            </a:endParaRPr>
           </a:p>
         </p:txBody>
       </p:sp>
     </p:spTree>
     <p:extLst>
       <p:ext uri="{BB962C8B-B14F-4D97-AF65-F5344CB8AC3E}">
-        <p14:creationId xmlns:p14="http://schemas.microsoft.com/office/powerpoint/2010/main" val="2277497355"/>
+        <p14:creationId xmlns:p14="http://schemas.microsoft.com/office/powerpoint/2010/main" val="1959905490"/>
       </p:ext>
     </p:extLst>
   </p:cSld>
@@ -6007,7 +5963,7 @@
           <a:p>
             <a:r>
               <a:rPr lang="en-US" b="0" dirty="0"/>
-              <a:t>Load Balancing</a:t>
+              <a:t>Eureka Client</a:t>
             </a:r>
           </a:p>
         </p:txBody>
@@ -6033,183 +5989,162 @@
           <a:lstStyle/>
           <a:p>
             <a:r>
-              <a:rPr lang="en-IN" dirty="0"/>
-              <a:t>Netflix provides Ribbon as client side load balancer for multiple instances of the same service</a:t>
-            </a:r>
-          </a:p>
-          <a:p>
-            <a:r>
-              <a:rPr lang="en-IN" dirty="0"/>
-              <a:t>Use </a:t>
-            </a:r>
-            <a:r>
-              <a:rPr lang="en-IN" dirty="0" err="1"/>
-              <a:t>RestTemplate</a:t>
-            </a:r>
-            <a:r>
-              <a:rPr lang="en-IN" dirty="0"/>
-              <a:t> for basic load balancing</a:t>
-            </a:r>
-          </a:p>
-          <a:p>
-            <a:pPr marL="0" indent="0">
-              <a:buNone/>
-            </a:pPr>
-            <a:endParaRPr lang="en-IN" dirty="0"/>
-          </a:p>
-          <a:p>
-            <a:pPr marL="0" indent="0">
-              <a:buNone/>
-            </a:pPr>
-            <a:r>
-              <a:rPr lang="en-US" dirty="0"/>
-              <a:t>	</a:t>
-            </a:r>
-            <a:r>
-              <a:rPr lang="en-US" sz="2000" dirty="0">
-                <a:solidFill>
-                  <a:srgbClr val="FF0000"/>
-                </a:solidFill>
-              </a:rPr>
-              <a:t>   @</a:t>
-            </a:r>
-            <a:r>
-              <a:rPr lang="en-US" sz="2000" dirty="0" err="1">
-                <a:solidFill>
-                  <a:srgbClr val="FF0000"/>
-                </a:solidFill>
-              </a:rPr>
-              <a:t>LoadBalanced</a:t>
-            </a:r>
-            <a:endParaRPr lang="en-US" sz="2000" dirty="0">
+              <a:rPr lang="en-US" sz="2000" dirty="0"/>
+              <a:t> Eureka clients are  discoverable  through eureka server</a:t>
+            </a:r>
+          </a:p>
+          <a:p>
+            <a:endParaRPr lang="en-US" sz="2000" dirty="0"/>
+          </a:p>
+          <a:p>
+            <a:r>
+              <a:rPr lang="en-US" sz="2000" dirty="0"/>
+              <a:t>Create a spring boot starter project with the following dependencies</a:t>
+            </a:r>
+          </a:p>
+          <a:p>
+            <a:pPr lvl="2"/>
+            <a:r>
+              <a:rPr lang="en-US" sz="2200" dirty="0"/>
+              <a:t>Eureka client</a:t>
+            </a:r>
+          </a:p>
+          <a:p>
+            <a:pPr lvl="2"/>
+            <a:r>
+              <a:rPr lang="en-US" sz="2200" dirty="0"/>
+              <a:t>Web </a:t>
+            </a:r>
+          </a:p>
+          <a:p>
+            <a:r>
+              <a:rPr lang="en-US" sz="2000" dirty="0"/>
+              <a:t>Use @</a:t>
+            </a:r>
+            <a:r>
+              <a:rPr lang="en-US" sz="2000" dirty="0" err="1"/>
+              <a:t>EnableDiscoveryClient</a:t>
+            </a:r>
+            <a:r>
+              <a:rPr lang="en-US" sz="2000" dirty="0"/>
+              <a:t> or @</a:t>
+            </a:r>
+            <a:r>
+              <a:rPr lang="en-US" sz="2000" dirty="0" err="1"/>
+              <a:t>EnableEurekaClient</a:t>
+            </a:r>
+            <a:r>
+              <a:rPr lang="en-US" sz="2000"/>
+              <a:t> </a:t>
+            </a:r>
+            <a:endParaRPr lang="en-US" sz="2000" dirty="0"/>
+          </a:p>
+          <a:p>
+            <a:r>
+              <a:rPr lang="en-US" sz="2000" dirty="0"/>
+              <a:t>Provide the following properties</a:t>
+            </a:r>
+          </a:p>
+          <a:p>
+            <a:pPr lvl="2"/>
+            <a:r>
+              <a:rPr lang="en-IN" sz="2200" dirty="0" err="1">
+                <a:solidFill>
+                  <a:srgbClr val="FF0000"/>
+                </a:solidFill>
+              </a:rPr>
+              <a:t>server.port</a:t>
+            </a:r>
+            <a:r>
+              <a:rPr lang="en-IN" sz="2200" dirty="0">
+                <a:solidFill>
+                  <a:srgbClr val="FF0000"/>
+                </a:solidFill>
+              </a:rPr>
+              <a:t>=8082</a:t>
+            </a:r>
+          </a:p>
+          <a:p>
+            <a:pPr lvl="2"/>
+            <a:r>
+              <a:rPr lang="en-IN" sz="2200" dirty="0">
+                <a:solidFill>
+                  <a:srgbClr val="FF0000"/>
+                </a:solidFill>
+              </a:rPr>
+              <a:t>Spring.application.name=</a:t>
+            </a:r>
+            <a:r>
+              <a:rPr lang="en-IN" sz="2200" dirty="0" err="1">
+                <a:solidFill>
+                  <a:srgbClr val="FF0000"/>
+                </a:solidFill>
+              </a:rPr>
+              <a:t>servicename</a:t>
+            </a:r>
+            <a:endParaRPr lang="en-IN" sz="2200" dirty="0">
               <a:solidFill>
                 <a:srgbClr val="FF0000"/>
               </a:solidFill>
             </a:endParaRPr>
           </a:p>
           <a:p>
-            <a:pPr marL="0" indent="0">
-              <a:buNone/>
-            </a:pPr>
-            <a:r>
-              <a:rPr lang="en-US" sz="2000" dirty="0">
-                <a:solidFill>
-                  <a:srgbClr val="FF0000"/>
-                </a:solidFill>
-              </a:rPr>
-              <a:t>	    @Bean</a:t>
-            </a:r>
-          </a:p>
-          <a:p>
-            <a:pPr marL="0" indent="0">
-              <a:buNone/>
-            </a:pPr>
-            <a:r>
-              <a:rPr lang="en-US" sz="2000" dirty="0">
-                <a:solidFill>
-                  <a:srgbClr val="FF0000"/>
-                </a:solidFill>
-              </a:rPr>
-              <a:t>	    </a:t>
-            </a:r>
-            <a:r>
-              <a:rPr lang="en-US" sz="2000" dirty="0" err="1">
-                <a:solidFill>
-                  <a:srgbClr val="FF0000"/>
-                </a:solidFill>
-              </a:rPr>
-              <a:t>RestTemplate</a:t>
-            </a:r>
-            <a:r>
-              <a:rPr lang="en-US" sz="2000" dirty="0">
-                <a:solidFill>
-                  <a:srgbClr val="FF0000"/>
-                </a:solidFill>
-              </a:rPr>
-              <a:t> </a:t>
-            </a:r>
-            <a:r>
-              <a:rPr lang="en-US" sz="2000" dirty="0" err="1">
-                <a:solidFill>
-                  <a:srgbClr val="FF0000"/>
-                </a:solidFill>
-              </a:rPr>
-              <a:t>getRestTemplate</a:t>
-            </a:r>
-            <a:r>
-              <a:rPr lang="en-US" sz="2000" dirty="0">
-                <a:solidFill>
-                  <a:srgbClr val="FF0000"/>
-                </a:solidFill>
-              </a:rPr>
-              <a:t>() {</a:t>
-            </a:r>
-          </a:p>
-          <a:p>
-            <a:pPr marL="0" indent="0">
-              <a:buNone/>
-            </a:pPr>
-            <a:r>
-              <a:rPr lang="en-US" sz="2000" dirty="0">
-                <a:solidFill>
-                  <a:srgbClr val="FF0000"/>
-                </a:solidFill>
-              </a:rPr>
-              <a:t>	        return new </a:t>
-            </a:r>
-            <a:r>
-              <a:rPr lang="en-US" sz="2000" dirty="0" err="1">
-                <a:solidFill>
-                  <a:srgbClr val="FF0000"/>
-                </a:solidFill>
-              </a:rPr>
-              <a:t>RestTemplate</a:t>
-            </a:r>
-            <a:r>
-              <a:rPr lang="en-US" sz="2000" dirty="0">
-                <a:solidFill>
-                  <a:srgbClr val="FF0000"/>
-                </a:solidFill>
-              </a:rPr>
-              <a:t>();</a:t>
-            </a:r>
-          </a:p>
-          <a:p>
-            <a:pPr marL="0" indent="0">
-              <a:buNone/>
-            </a:pPr>
-            <a:r>
-              <a:rPr lang="en-US" sz="2000" dirty="0">
-                <a:solidFill>
-                  <a:srgbClr val="FF0000"/>
-                </a:solidFill>
-              </a:rPr>
-              <a:t>	    }</a:t>
-            </a:r>
-            <a:endParaRPr lang="en-IN" sz="2000" dirty="0">
-              <a:solidFill>
-                <a:srgbClr val="FF0000"/>
-              </a:solidFill>
-            </a:endParaRPr>
-          </a:p>
-          <a:p>
-            <a:endParaRPr lang="en-IN" dirty="0"/>
-          </a:p>
-          <a:p>
-            <a:r>
-              <a:rPr lang="en-IN" dirty="0"/>
-              <a:t>Configure Ribbon for Customized load balancing</a:t>
-            </a:r>
-          </a:p>
-          <a:p>
-            <a:endParaRPr lang="en-IN" dirty="0"/>
+            <a:pPr lvl="2"/>
+            <a:r>
+              <a:rPr lang="en-IN" sz="2200" dirty="0" err="1">
+                <a:solidFill>
+                  <a:srgbClr val="FF0000"/>
+                </a:solidFill>
+              </a:rPr>
+              <a:t>eureka.client.fetch</a:t>
+            </a:r>
+            <a:r>
+              <a:rPr lang="en-IN" sz="2200" dirty="0">
+                <a:solidFill>
+                  <a:srgbClr val="FF0000"/>
+                </a:solidFill>
+              </a:rPr>
+              <a:t>-registry=false</a:t>
+            </a:r>
+          </a:p>
+          <a:p>
+            <a:pPr lvl="2"/>
+            <a:r>
+              <a:rPr lang="en-IN" sz="2000" dirty="0" err="1">
+                <a:solidFill>
+                  <a:srgbClr val="FF0000"/>
+                </a:solidFill>
+              </a:rPr>
+              <a:t>eureka.client.serviceUrl.defaultZone</a:t>
+            </a:r>
+            <a:r>
+              <a:rPr lang="en-IN" sz="2000" dirty="0">
+                <a:solidFill>
+                  <a:srgbClr val="FF0000"/>
+                </a:solidFill>
+              </a:rPr>
+              <a:t> = http://localhost:8761/eureka</a:t>
+            </a:r>
+          </a:p>
+          <a:p>
+            <a:pPr marL="552450" lvl="2" indent="0">
+              <a:buNone/>
+            </a:pPr>
+            <a:r>
+              <a:rPr lang="en-US" sz="2200" dirty="0">
+                <a:solidFill>
+                  <a:schemeClr val="tx1"/>
+                </a:solidFill>
+              </a:rPr>
+              <a:t>(above property not required if eureka server runs on 8761)</a:t>
+            </a:r>
           </a:p>
         </p:txBody>
       </p:sp>
     </p:spTree>
     <p:extLst>
       <p:ext uri="{BB962C8B-B14F-4D97-AF65-F5344CB8AC3E}">
-        <p14:creationId xmlns:p14="http://schemas.microsoft.com/office/powerpoint/2010/main" val="83118014"/>
+        <p14:creationId xmlns:p14="http://schemas.microsoft.com/office/powerpoint/2010/main" val="2277497355"/>
       </p:ext>
     </p:extLst>
   </p:cSld>
@@ -6252,14 +6187,9 @@
           <a:lstStyle/>
           <a:p>
             <a:r>
-              <a:rPr lang="en-IN" b="0" dirty="0"/>
-              <a:t>W</a:t>
-            </a:r>
-            <a:r>
-              <a:rPr lang="en-US" b="0" dirty="0" err="1"/>
-              <a:t>ebClient</a:t>
-            </a:r>
-            <a:endParaRPr lang="en-US" b="0" dirty="0"/>
+              <a:rPr lang="en-US" b="0" dirty="0"/>
+              <a:t>Load Balancing</a:t>
+            </a:r>
           </a:p>
         </p:txBody>
       </p:sp>
@@ -6284,210 +6214,95 @@
           <a:lstStyle/>
           <a:p>
             <a:r>
+              <a:rPr lang="en-IN" dirty="0"/>
+              <a:t>Netflix provides Ribbon as client side load balancer for multiple instances of the same service</a:t>
+            </a:r>
+          </a:p>
+          <a:p>
+            <a:r>
+              <a:rPr lang="en-IN" dirty="0"/>
+              <a:t>Use </a:t>
+            </a:r>
+            <a:r>
+              <a:rPr lang="en-IN" dirty="0" err="1"/>
+              <a:t>RestTemplate</a:t>
+            </a:r>
+            <a:r>
+              <a:rPr lang="en-IN" dirty="0"/>
+              <a:t> for basic load balancing</a:t>
+            </a:r>
+          </a:p>
+          <a:p>
+            <a:pPr marL="0" indent="0">
+              <a:buNone/>
+            </a:pPr>
+            <a:endParaRPr lang="en-IN" dirty="0"/>
+          </a:p>
+          <a:p>
+            <a:pPr marL="0" indent="0">
+              <a:buNone/>
+            </a:pPr>
+            <a:r>
               <a:rPr lang="en-US" dirty="0"/>
-              <a:t>Spring </a:t>
-            </a:r>
-            <a:r>
-              <a:rPr lang="en-US" dirty="0" err="1"/>
-              <a:t>WebClient</a:t>
-            </a:r>
-            <a:r>
-              <a:rPr lang="en-US" dirty="0"/>
-              <a:t> is a non-blocking and reactive web client for performing HTTP requests</a:t>
-            </a:r>
-          </a:p>
-          <a:p>
-            <a:endParaRPr lang="en-US" dirty="0"/>
-          </a:p>
-          <a:p>
-            <a:r>
-              <a:rPr lang="en-US" dirty="0"/>
-              <a:t>Maven dependency</a:t>
-            </a:r>
-          </a:p>
-          <a:p>
-            <a:pPr marL="800100" lvl="3" indent="0">
-              <a:buNone/>
-            </a:pPr>
-            <a:r>
-              <a:rPr lang="en-US" sz="1800" dirty="0">
-                <a:solidFill>
-                  <a:srgbClr val="FF0000"/>
-                </a:solidFill>
-              </a:rPr>
-              <a:t>&lt;dependency&gt; </a:t>
-            </a:r>
-          </a:p>
-          <a:p>
-            <a:pPr marL="800100" lvl="3" indent="0">
-              <a:buNone/>
-            </a:pPr>
-            <a:r>
-              <a:rPr lang="en-US" sz="1800" dirty="0">
-                <a:solidFill>
-                  <a:srgbClr val="FF0000"/>
-                </a:solidFill>
-              </a:rPr>
-              <a:t>   &lt;</a:t>
-            </a:r>
-            <a:r>
-              <a:rPr lang="en-US" sz="1800" dirty="0" err="1">
-                <a:solidFill>
-                  <a:srgbClr val="FF0000"/>
-                </a:solidFill>
-              </a:rPr>
-              <a:t>groupId</a:t>
-            </a:r>
-            <a:r>
-              <a:rPr lang="en-US" sz="1800" dirty="0">
-                <a:solidFill>
-                  <a:srgbClr val="FF0000"/>
-                </a:solidFill>
-              </a:rPr>
-              <a:t>&gt;</a:t>
-            </a:r>
-            <a:r>
-              <a:rPr lang="en-US" sz="1800" dirty="0" err="1">
-                <a:solidFill>
-                  <a:srgbClr val="FF0000"/>
-                </a:solidFill>
-              </a:rPr>
-              <a:t>org.springframework.boot</a:t>
-            </a:r>
-            <a:r>
-              <a:rPr lang="en-US" sz="1800" dirty="0">
-                <a:solidFill>
-                  <a:srgbClr val="FF0000"/>
-                </a:solidFill>
-              </a:rPr>
-              <a:t>&lt;/</a:t>
-            </a:r>
-            <a:r>
-              <a:rPr lang="en-US" sz="1800" dirty="0" err="1">
-                <a:solidFill>
-                  <a:srgbClr val="FF0000"/>
-                </a:solidFill>
-              </a:rPr>
-              <a:t>groupId</a:t>
-            </a:r>
-            <a:r>
-              <a:rPr lang="en-US" sz="1800" dirty="0">
-                <a:solidFill>
-                  <a:srgbClr val="FF0000"/>
-                </a:solidFill>
-              </a:rPr>
-              <a:t>&gt; </a:t>
-            </a:r>
-          </a:p>
-          <a:p>
-            <a:pPr marL="800100" lvl="3" indent="0">
-              <a:buNone/>
-            </a:pPr>
-            <a:r>
-              <a:rPr lang="en-US" sz="1800" dirty="0">
-                <a:solidFill>
-                  <a:srgbClr val="FF0000"/>
-                </a:solidFill>
-              </a:rPr>
-              <a:t>   &lt;</a:t>
-            </a:r>
-            <a:r>
-              <a:rPr lang="en-US" sz="1800" dirty="0" err="1">
-                <a:solidFill>
-                  <a:srgbClr val="FF0000"/>
-                </a:solidFill>
-              </a:rPr>
-              <a:t>artifactId</a:t>
-            </a:r>
-            <a:r>
-              <a:rPr lang="en-US" sz="1800" dirty="0">
-                <a:solidFill>
-                  <a:srgbClr val="FF0000"/>
-                </a:solidFill>
-              </a:rPr>
-              <a:t>&gt;spring-boot-starter-</a:t>
-            </a:r>
-            <a:r>
-              <a:rPr lang="en-US" sz="1800" dirty="0" err="1">
-                <a:solidFill>
-                  <a:srgbClr val="FF0000"/>
-                </a:solidFill>
-              </a:rPr>
-              <a:t>webflux</a:t>
-            </a:r>
-            <a:r>
-              <a:rPr lang="en-US" sz="1800" dirty="0">
-                <a:solidFill>
-                  <a:srgbClr val="FF0000"/>
-                </a:solidFill>
-              </a:rPr>
-              <a:t>&lt;/</a:t>
-            </a:r>
-            <a:r>
-              <a:rPr lang="en-US" sz="1800" dirty="0" err="1">
-                <a:solidFill>
-                  <a:srgbClr val="FF0000"/>
-                </a:solidFill>
-              </a:rPr>
-              <a:t>artifactId</a:t>
-            </a:r>
-            <a:r>
-              <a:rPr lang="en-US" sz="1800" dirty="0">
-                <a:solidFill>
-                  <a:srgbClr val="FF0000"/>
-                </a:solidFill>
-              </a:rPr>
-              <a:t>&gt; </a:t>
-            </a:r>
-          </a:p>
-          <a:p>
-            <a:pPr marL="800100" lvl="3" indent="0">
-              <a:buNone/>
-            </a:pPr>
-            <a:r>
-              <a:rPr lang="en-US" sz="1800" dirty="0">
-                <a:solidFill>
-                  <a:srgbClr val="FF0000"/>
-                </a:solidFill>
-              </a:rPr>
-              <a:t>&lt;/dependency&gt;</a:t>
-            </a:r>
-          </a:p>
-          <a:p>
-            <a:pPr marL="800100" lvl="3" indent="0">
-              <a:buNone/>
-            </a:pPr>
-            <a:endParaRPr lang="en-US" sz="1800" dirty="0">
+              <a:t>	</a:t>
+            </a:r>
+            <a:r>
+              <a:rPr lang="en-US" sz="2000" dirty="0">
+                <a:solidFill>
+                  <a:srgbClr val="FF0000"/>
+                </a:solidFill>
+              </a:rPr>
+              <a:t>   @</a:t>
+            </a:r>
+            <a:r>
+              <a:rPr lang="en-US" sz="2000" dirty="0" err="1">
+                <a:solidFill>
+                  <a:srgbClr val="FF0000"/>
+                </a:solidFill>
+              </a:rPr>
+              <a:t>LoadBalanced</a:t>
+            </a:r>
+            <a:endParaRPr lang="en-US" sz="2000" dirty="0">
               <a:solidFill>
                 <a:srgbClr val="FF0000"/>
               </a:solidFill>
             </a:endParaRPr>
           </a:p>
           <a:p>
-            <a:r>
-              <a:rPr lang="en-US" dirty="0"/>
-              <a:t>Creating </a:t>
-            </a:r>
-            <a:r>
-              <a:rPr lang="en-US" dirty="0" err="1"/>
-              <a:t>WebClient</a:t>
-            </a:r>
-            <a:endParaRPr lang="en-US" dirty="0"/>
-          </a:p>
-          <a:p>
-            <a:pPr marL="533400" lvl="2" indent="0">
-              <a:buNone/>
-            </a:pPr>
-            <a:r>
-              <a:rPr lang="en-US" sz="1800" dirty="0" err="1">
-                <a:solidFill>
-                  <a:srgbClr val="FF0000"/>
-                </a:solidFill>
-              </a:rPr>
-              <a:t>WebClient</a:t>
-            </a:r>
-            <a:r>
-              <a:rPr lang="en-US" sz="1800" dirty="0">
+            <a:pPr marL="0" indent="0">
+              <a:buNone/>
+            </a:pPr>
+            <a:r>
+              <a:rPr lang="en-US" sz="2000" dirty="0">
+                <a:solidFill>
+                  <a:srgbClr val="FF0000"/>
+                </a:solidFill>
+              </a:rPr>
+              <a:t>	    @Bean</a:t>
+            </a:r>
+          </a:p>
+          <a:p>
+            <a:pPr marL="0" indent="0">
+              <a:buNone/>
+            </a:pPr>
+            <a:r>
+              <a:rPr lang="en-US" sz="2000" dirty="0">
+                <a:solidFill>
+                  <a:srgbClr val="FF0000"/>
+                </a:solidFill>
+              </a:rPr>
+              <a:t>	    </a:t>
+            </a:r>
+            <a:r>
+              <a:rPr lang="en-US" sz="2000" dirty="0" err="1">
+                <a:solidFill>
+                  <a:srgbClr val="FF0000"/>
+                </a:solidFill>
+              </a:rPr>
+              <a:t>RestTemplate</a:t>
+            </a:r>
+            <a:r>
+              <a:rPr lang="en-US" sz="2000" dirty="0">
                 <a:solidFill>
                   <a:srgbClr val="FF0000"/>
                 </a:solidFill>
@@ -6495,97 +6310,87 @@
               <a:t> </a:t>
             </a:r>
             <a:r>
-              <a:rPr lang="en-US" sz="1800" dirty="0" err="1">
-                <a:solidFill>
-                  <a:srgbClr val="FF0000"/>
-                </a:solidFill>
-              </a:rPr>
-              <a:t>webClient</a:t>
-            </a:r>
-            <a:r>
-              <a:rPr lang="en-US" sz="1800" dirty="0">
-                <a:solidFill>
-                  <a:srgbClr val="FF0000"/>
-                </a:solidFill>
-              </a:rPr>
-              <a:t> = </a:t>
-            </a:r>
-            <a:r>
-              <a:rPr lang="en-US" sz="1800" dirty="0" err="1">
-                <a:solidFill>
-                  <a:srgbClr val="FF0000"/>
-                </a:solidFill>
-              </a:rPr>
-              <a:t>WebClient.create</a:t>
-            </a:r>
-            <a:r>
-              <a:rPr lang="en-US" sz="1800" dirty="0">
-                <a:solidFill>
-                  <a:srgbClr val="FF0000"/>
-                </a:solidFill>
-              </a:rPr>
-              <a:t>();  </a:t>
-            </a:r>
-          </a:p>
-          <a:p>
-            <a:pPr marL="533400" lvl="2" indent="0">
-              <a:buNone/>
-            </a:pPr>
-            <a:r>
-              <a:rPr lang="en-US" sz="1800" dirty="0" err="1">
-                <a:solidFill>
-                  <a:srgbClr val="FF0000"/>
-                </a:solidFill>
-              </a:rPr>
-              <a:t>WebClient</a:t>
-            </a:r>
-            <a:r>
-              <a:rPr lang="en-US" sz="1800" dirty="0">
-                <a:solidFill>
-                  <a:srgbClr val="FF0000"/>
-                </a:solidFill>
-              </a:rPr>
-              <a:t> </a:t>
-            </a:r>
-            <a:r>
-              <a:rPr lang="en-US" sz="1800" dirty="0" err="1">
-                <a:solidFill>
-                  <a:srgbClr val="FF0000"/>
-                </a:solidFill>
-              </a:rPr>
-              <a:t>webClient</a:t>
-            </a:r>
-            <a:r>
-              <a:rPr lang="en-US" sz="1800" dirty="0">
-                <a:solidFill>
-                  <a:srgbClr val="FF0000"/>
-                </a:solidFill>
-              </a:rPr>
-              <a:t> = </a:t>
-            </a:r>
-            <a:r>
-              <a:rPr lang="en-US" sz="1800" dirty="0" err="1">
-                <a:solidFill>
-                  <a:srgbClr val="FF0000"/>
-                </a:solidFill>
-              </a:rPr>
-              <a:t>WebClient.create</a:t>
-            </a:r>
-            <a:r>
-              <a:rPr lang="en-US" sz="1800" dirty="0">
-                <a:solidFill>
-                  <a:srgbClr val="FF0000"/>
-                </a:solidFill>
-              </a:rPr>
-              <a:t>("https://client-domain.com"); </a:t>
-            </a:r>
+              <a:rPr lang="en-US" sz="2000" dirty="0" err="1">
+                <a:solidFill>
+                  <a:srgbClr val="FF0000"/>
+                </a:solidFill>
+              </a:rPr>
+              <a:t>getRestTemplate</a:t>
+            </a:r>
+            <a:r>
+              <a:rPr lang="en-US" sz="2000" dirty="0">
+                <a:solidFill>
+                  <a:srgbClr val="FF0000"/>
+                </a:solidFill>
+              </a:rPr>
+              <a:t>() {</a:t>
+            </a:r>
+          </a:p>
+          <a:p>
+            <a:pPr marL="0" indent="0">
+              <a:buNone/>
+            </a:pPr>
+            <a:r>
+              <a:rPr lang="en-US" sz="2000" dirty="0">
+                <a:solidFill>
+                  <a:srgbClr val="FF0000"/>
+                </a:solidFill>
+              </a:rPr>
+              <a:t>	        return new </a:t>
+            </a:r>
+            <a:r>
+              <a:rPr lang="en-US" sz="2000" dirty="0" err="1">
+                <a:solidFill>
+                  <a:srgbClr val="FF0000"/>
+                </a:solidFill>
+              </a:rPr>
+              <a:t>RestTemplate</a:t>
+            </a:r>
+            <a:r>
+              <a:rPr lang="en-US" sz="2000" dirty="0">
+                <a:solidFill>
+                  <a:srgbClr val="FF0000"/>
+                </a:solidFill>
+              </a:rPr>
+              <a:t>();</a:t>
+            </a:r>
+          </a:p>
+          <a:p>
+            <a:pPr marL="0" indent="0">
+              <a:buNone/>
+            </a:pPr>
+            <a:r>
+              <a:rPr lang="en-US" sz="2000" dirty="0">
+                <a:solidFill>
+                  <a:srgbClr val="FF0000"/>
+                </a:solidFill>
+              </a:rPr>
+              <a:t>	    }</a:t>
+            </a:r>
+            <a:endParaRPr lang="en-IN" sz="2000" dirty="0">
+              <a:solidFill>
+                <a:srgbClr val="FF0000"/>
+              </a:solidFill>
+            </a:endParaRPr>
+          </a:p>
+          <a:p>
+            <a:endParaRPr lang="en-IN" dirty="0"/>
+          </a:p>
+          <a:p>
+            <a:r>
+              <a:rPr lang="en-IN" dirty="0"/>
+              <a:t>Configure Ribbon for Customized load balancing</a:t>
+            </a:r>
+          </a:p>
+          <a:p>
+            <a:endParaRPr lang="en-IN" dirty="0"/>
           </a:p>
         </p:txBody>
       </p:sp>
     </p:spTree>
     <p:extLst>
       <p:ext uri="{BB962C8B-B14F-4D97-AF65-F5344CB8AC3E}">
-        <p14:creationId xmlns:p14="http://schemas.microsoft.com/office/powerpoint/2010/main" val="1004484924"/>
+        <p14:creationId xmlns:p14="http://schemas.microsoft.com/office/powerpoint/2010/main" val="83118014"/>
       </p:ext>
     </p:extLst>
   </p:cSld>
@@ -6635,10 +6440,7 @@
               <a:rPr lang="en-US" b="0" dirty="0" err="1"/>
               <a:t>ebClient</a:t>
             </a:r>
-            <a:r>
-              <a:rPr lang="en-US" b="0" dirty="0"/>
-              <a:t> Builder API</a:t>
-            </a:r>
+            <a:endParaRPr lang="en-US" b="0" dirty="0"/>
           </a:p>
         </p:txBody>
       </p:sp>
@@ -6654,249 +6456,235 @@
         </p:nvSpPr>
         <p:spPr>
           <a:xfrm>
-            <a:off x="0" y="1295400"/>
-            <a:ext cx="8964488" cy="5334000"/>
+            <a:off x="328642" y="1295400"/>
+            <a:ext cx="8635846" cy="5334000"/>
           </a:xfrm>
         </p:spPr>
         <p:txBody>
           <a:bodyPr/>
           <a:lstStyle/>
           <a:p>
-            <a:pPr marL="276225" lvl="1" indent="0">
-              <a:buNone/>
-            </a:pPr>
-            <a:r>
-              <a:rPr lang="en-US" sz="1500" dirty="0">
-                <a:solidFill>
-                  <a:srgbClr val="FF0000"/>
-                </a:solidFill>
-              </a:rPr>
-              <a:t> </a:t>
-            </a:r>
-            <a:r>
-              <a:rPr lang="en-US" sz="1500" dirty="0" err="1">
-                <a:solidFill>
-                  <a:srgbClr val="FF0000"/>
-                </a:solidFill>
-              </a:rPr>
+            <a:r>
+              <a:rPr lang="en-US" dirty="0"/>
+              <a:t>Spring </a:t>
+            </a:r>
+            <a:r>
+              <a:rPr lang="en-US" dirty="0" err="1"/>
               <a:t>WebClient</a:t>
             </a:r>
             <a:r>
-              <a:rPr lang="en-US" sz="1500" dirty="0">
-                <a:solidFill>
-                  <a:srgbClr val="FF0000"/>
-                </a:solidFill>
-              </a:rPr>
-              <a:t> </a:t>
-            </a:r>
-            <a:r>
-              <a:rPr lang="en-US" sz="1500" dirty="0" err="1">
-                <a:solidFill>
-                  <a:srgbClr val="FF0000"/>
-                </a:solidFill>
-              </a:rPr>
-              <a:t>webClient</a:t>
-            </a:r>
-            <a:r>
-              <a:rPr lang="en-US" sz="1500" dirty="0">
-                <a:solidFill>
-                  <a:srgbClr val="FF0000"/>
-                </a:solidFill>
-              </a:rPr>
-              <a:t> = </a:t>
-            </a:r>
-            <a:r>
-              <a:rPr lang="en-US" sz="1500" dirty="0" err="1">
-                <a:solidFill>
-                  <a:srgbClr val="FF0000"/>
-                </a:solidFill>
-              </a:rPr>
-              <a:t>WebClient.builder</a:t>
-            </a:r>
-            <a:r>
-              <a:rPr lang="en-US" sz="1500" dirty="0">
-                <a:solidFill>
-                  <a:srgbClr val="FF0000"/>
-                </a:solidFill>
-              </a:rPr>
-              <a:t>()</a:t>
-            </a:r>
-          </a:p>
-          <a:p>
-            <a:pPr marL="276225" lvl="1" indent="0">
-              <a:buNone/>
-            </a:pPr>
-            <a:r>
-              <a:rPr lang="en-US" sz="1500" dirty="0">
-                <a:solidFill>
-                  <a:srgbClr val="FF0000"/>
-                </a:solidFill>
-              </a:rPr>
-              <a:t>      .</a:t>
-            </a:r>
-            <a:r>
-              <a:rPr lang="en-US" sz="1500" dirty="0" err="1">
-                <a:solidFill>
-                  <a:srgbClr val="FF0000"/>
-                </a:solidFill>
-              </a:rPr>
-              <a:t>baseUrl</a:t>
-            </a:r>
-            <a:r>
-              <a:rPr lang="en-US" sz="1500" dirty="0">
-                <a:solidFill>
-                  <a:srgbClr val="FF0000"/>
-                </a:solidFill>
-              </a:rPr>
-              <a:t>("http://localhost:3000")</a:t>
-            </a:r>
-          </a:p>
-          <a:p>
-            <a:pPr marL="276225" lvl="1" indent="0">
-              <a:buNone/>
-            </a:pPr>
-            <a:r>
-              <a:rPr lang="en-US" sz="1500" dirty="0">
-                <a:solidFill>
-                  <a:srgbClr val="FF0000"/>
-                </a:solidFill>
-              </a:rPr>
-              <a:t>      .</a:t>
-            </a:r>
-            <a:r>
-              <a:rPr lang="en-US" sz="1500" dirty="0" err="1">
-                <a:solidFill>
-                  <a:srgbClr val="FF0000"/>
-                </a:solidFill>
-              </a:rPr>
-              <a:t>defaultCookie</a:t>
-            </a:r>
-            <a:r>
-              <a:rPr lang="en-US" sz="1500" dirty="0">
-                <a:solidFill>
-                  <a:srgbClr val="FF0000"/>
-                </a:solidFill>
-              </a:rPr>
-              <a:t>("cookie-name", "cookie-value")</a:t>
-            </a:r>
-          </a:p>
-          <a:p>
-            <a:pPr marL="276225" lvl="1" indent="0">
-              <a:buNone/>
-            </a:pPr>
-            <a:r>
-              <a:rPr lang="en-US" sz="1500" dirty="0">
-                <a:solidFill>
-                  <a:srgbClr val="FF0000"/>
-                </a:solidFill>
-              </a:rPr>
-              <a:t>      .</a:t>
-            </a:r>
-            <a:r>
-              <a:rPr lang="en-US" sz="1500" dirty="0" err="1">
-                <a:solidFill>
-                  <a:srgbClr val="FF0000"/>
-                </a:solidFill>
-              </a:rPr>
-              <a:t>defaultHeader</a:t>
-            </a:r>
-            <a:r>
-              <a:rPr lang="en-US" sz="1500" dirty="0">
-                <a:solidFill>
-                  <a:srgbClr val="FF0000"/>
-                </a:solidFill>
-              </a:rPr>
-              <a:t>(</a:t>
-            </a:r>
-            <a:r>
-              <a:rPr lang="en-US" sz="1500" dirty="0" err="1">
-                <a:solidFill>
-                  <a:srgbClr val="FF0000"/>
-                </a:solidFill>
-              </a:rPr>
-              <a:t>HttpHeaders.CONTENT_TYPE</a:t>
-            </a:r>
-            <a:r>
-              <a:rPr lang="en-US" sz="1500" dirty="0">
-                <a:solidFill>
-                  <a:srgbClr val="FF0000"/>
-                </a:solidFill>
-              </a:rPr>
-              <a:t>, </a:t>
-            </a:r>
-            <a:r>
-              <a:rPr lang="en-US" sz="1500" dirty="0" err="1">
-                <a:solidFill>
-                  <a:srgbClr val="FF0000"/>
-                </a:solidFill>
-              </a:rPr>
-              <a:t>MediaType.APPLICATION_JSON_VALUE</a:t>
-            </a:r>
-            <a:r>
-              <a:rPr lang="en-US" sz="1500" dirty="0">
-                <a:solidFill>
-                  <a:srgbClr val="FF0000"/>
-                </a:solidFill>
-              </a:rPr>
-              <a:t>)</a:t>
-            </a:r>
-          </a:p>
-          <a:p>
-            <a:pPr marL="276225" lvl="1" indent="0">
-              <a:buNone/>
-            </a:pPr>
-            <a:r>
-              <a:rPr lang="en-US" sz="1500" dirty="0">
-                <a:solidFill>
-                  <a:srgbClr val="FF0000"/>
-                </a:solidFill>
-              </a:rPr>
-              <a:t>      .build();</a:t>
-            </a:r>
-          </a:p>
-          <a:p>
-            <a:pPr marL="276225" lvl="1" indent="0">
-              <a:buNone/>
-            </a:pPr>
-            <a:endParaRPr lang="en-US" sz="1500" dirty="0">
+              <a:rPr lang="en-US" dirty="0"/>
+              <a:t> is a non-blocking and reactive web client for performing HTTP requests</a:t>
+            </a:r>
+          </a:p>
+          <a:p>
+            <a:endParaRPr lang="en-US" dirty="0"/>
+          </a:p>
+          <a:p>
+            <a:r>
+              <a:rPr lang="en-US" dirty="0"/>
+              <a:t>Maven dependency</a:t>
+            </a:r>
+          </a:p>
+          <a:p>
+            <a:pPr marL="800100" lvl="3" indent="0">
+              <a:buNone/>
+            </a:pPr>
+            <a:r>
+              <a:rPr lang="en-US" sz="1800" dirty="0">
+                <a:solidFill>
+                  <a:srgbClr val="FF0000"/>
+                </a:solidFill>
+              </a:rPr>
+              <a:t>&lt;dependency&gt; </a:t>
+            </a:r>
+          </a:p>
+          <a:p>
+            <a:pPr marL="800100" lvl="3" indent="0">
+              <a:buNone/>
+            </a:pPr>
+            <a:r>
+              <a:rPr lang="en-US" sz="1800" dirty="0">
+                <a:solidFill>
+                  <a:srgbClr val="FF0000"/>
+                </a:solidFill>
+              </a:rPr>
+              <a:t>   &lt;</a:t>
+            </a:r>
+            <a:r>
+              <a:rPr lang="en-US" sz="1800" dirty="0" err="1">
+                <a:solidFill>
+                  <a:srgbClr val="FF0000"/>
+                </a:solidFill>
+              </a:rPr>
+              <a:t>groupId</a:t>
+            </a:r>
+            <a:r>
+              <a:rPr lang="en-US" sz="1800" dirty="0">
+                <a:solidFill>
+                  <a:srgbClr val="FF0000"/>
+                </a:solidFill>
+              </a:rPr>
+              <a:t>&gt;</a:t>
+            </a:r>
+            <a:r>
+              <a:rPr lang="en-US" sz="1800" dirty="0" err="1">
+                <a:solidFill>
+                  <a:srgbClr val="FF0000"/>
+                </a:solidFill>
+              </a:rPr>
+              <a:t>org.springframework.boot</a:t>
+            </a:r>
+            <a:r>
+              <a:rPr lang="en-US" sz="1800" dirty="0">
+                <a:solidFill>
+                  <a:srgbClr val="FF0000"/>
+                </a:solidFill>
+              </a:rPr>
+              <a:t>&lt;/</a:t>
+            </a:r>
+            <a:r>
+              <a:rPr lang="en-US" sz="1800" dirty="0" err="1">
+                <a:solidFill>
+                  <a:srgbClr val="FF0000"/>
+                </a:solidFill>
+              </a:rPr>
+              <a:t>groupId</a:t>
+            </a:r>
+            <a:r>
+              <a:rPr lang="en-US" sz="1800" dirty="0">
+                <a:solidFill>
+                  <a:srgbClr val="FF0000"/>
+                </a:solidFill>
+              </a:rPr>
+              <a:t>&gt; </a:t>
+            </a:r>
+          </a:p>
+          <a:p>
+            <a:pPr marL="800100" lvl="3" indent="0">
+              <a:buNone/>
+            </a:pPr>
+            <a:r>
+              <a:rPr lang="en-US" sz="1800" dirty="0">
+                <a:solidFill>
+                  <a:srgbClr val="FF0000"/>
+                </a:solidFill>
+              </a:rPr>
+              <a:t>   &lt;</a:t>
+            </a:r>
+            <a:r>
+              <a:rPr lang="en-US" sz="1800" dirty="0" err="1">
+                <a:solidFill>
+                  <a:srgbClr val="FF0000"/>
+                </a:solidFill>
+              </a:rPr>
+              <a:t>artifactId</a:t>
+            </a:r>
+            <a:r>
+              <a:rPr lang="en-US" sz="1800" dirty="0">
+                <a:solidFill>
+                  <a:srgbClr val="FF0000"/>
+                </a:solidFill>
+              </a:rPr>
+              <a:t>&gt;spring-boot-starter-</a:t>
+            </a:r>
+            <a:r>
+              <a:rPr lang="en-US" sz="1800" dirty="0" err="1">
+                <a:solidFill>
+                  <a:srgbClr val="FF0000"/>
+                </a:solidFill>
+              </a:rPr>
+              <a:t>webflux</a:t>
+            </a:r>
+            <a:r>
+              <a:rPr lang="en-US" sz="1800" dirty="0">
+                <a:solidFill>
+                  <a:srgbClr val="FF0000"/>
+                </a:solidFill>
+              </a:rPr>
+              <a:t>&lt;/</a:t>
+            </a:r>
+            <a:r>
+              <a:rPr lang="en-US" sz="1800" dirty="0" err="1">
+                <a:solidFill>
+                  <a:srgbClr val="FF0000"/>
+                </a:solidFill>
+              </a:rPr>
+              <a:t>artifactId</a:t>
+            </a:r>
+            <a:r>
+              <a:rPr lang="en-US" sz="1800" dirty="0">
+                <a:solidFill>
+                  <a:srgbClr val="FF0000"/>
+                </a:solidFill>
+              </a:rPr>
+              <a:t>&gt; </a:t>
+            </a:r>
+          </a:p>
+          <a:p>
+            <a:pPr marL="800100" lvl="3" indent="0">
+              <a:buNone/>
+            </a:pPr>
+            <a:r>
+              <a:rPr lang="en-US" sz="1800" dirty="0">
+                <a:solidFill>
+                  <a:srgbClr val="FF0000"/>
+                </a:solidFill>
+              </a:rPr>
+              <a:t>&lt;/dependency&gt;</a:t>
+            </a:r>
+          </a:p>
+          <a:p>
+            <a:pPr marL="800100" lvl="3" indent="0">
+              <a:buNone/>
+            </a:pPr>
+            <a:endParaRPr lang="en-US" sz="1800" dirty="0">
               <a:solidFill>
-                <a:schemeClr val="tx1"/>
+                <a:srgbClr val="FF0000"/>
               </a:solidFill>
             </a:endParaRPr>
           </a:p>
           <a:p>
-            <a:pPr lvl="1"/>
-            <a:r>
-              <a:rPr lang="en-US" sz="1500" dirty="0">
-                <a:solidFill>
-                  <a:schemeClr val="tx1"/>
-                </a:solidFill>
-              </a:rPr>
-              <a:t>Sending requests</a:t>
-            </a:r>
-          </a:p>
-          <a:p>
-            <a:pPr marL="1076325" lvl="4" indent="0">
-              <a:buNone/>
-            </a:pPr>
-            <a:r>
-              <a:rPr lang="en-US" dirty="0">
-                <a:solidFill>
-                  <a:srgbClr val="FF0000"/>
-                </a:solidFill>
-              </a:rPr>
-              <a:t>Mono&lt;Employee&gt; </a:t>
-            </a:r>
-            <a:r>
-              <a:rPr lang="en-US" dirty="0" err="1">
-                <a:solidFill>
-                  <a:srgbClr val="FF0000"/>
-                </a:solidFill>
-              </a:rPr>
-              <a:t>employeeMono</a:t>
-            </a:r>
-            <a:r>
-              <a:rPr lang="en-US" dirty="0">
+            <a:r>
+              <a:rPr lang="en-US" dirty="0"/>
+              <a:t>Creating </a:t>
+            </a:r>
+            <a:r>
+              <a:rPr lang="en-US" dirty="0" err="1"/>
+              <a:t>WebClient</a:t>
+            </a:r>
+            <a:endParaRPr lang="en-US" dirty="0"/>
+          </a:p>
+          <a:p>
+            <a:pPr marL="533400" lvl="2" indent="0">
+              <a:buNone/>
+            </a:pPr>
+            <a:r>
+              <a:rPr lang="en-US" sz="1800" dirty="0" err="1">
+                <a:solidFill>
+                  <a:srgbClr val="FF0000"/>
+                </a:solidFill>
+              </a:rPr>
+              <a:t>WebClient</a:t>
+            </a:r>
+            <a:r>
+              <a:rPr lang="en-US" sz="1800" dirty="0">
+                <a:solidFill>
+                  <a:srgbClr val="FF0000"/>
+                </a:solidFill>
+              </a:rPr>
+              <a:t> </a:t>
+            </a:r>
+            <a:r>
+              <a:rPr lang="en-US" sz="1800" dirty="0" err="1">
+                <a:solidFill>
+                  <a:srgbClr val="FF0000"/>
+                </a:solidFill>
+              </a:rPr>
+              <a:t>webClient</a:t>
+            </a:r>
+            <a:r>
+              <a:rPr lang="en-US" sz="1800" dirty="0">
                 <a:solidFill>
                   <a:srgbClr val="FF0000"/>
                 </a:solidFill>
@@ -6904,173 +6692,52 @@
               <a:t> = </a:t>
             </a:r>
             <a:r>
-              <a:rPr lang="en-US" dirty="0" err="1">
-                <a:solidFill>
-                  <a:srgbClr val="FF0000"/>
-                </a:solidFill>
-              </a:rPr>
-              <a:t>webClient.get</a:t>
-            </a:r>
-            <a:r>
-              <a:rPr lang="en-US" dirty="0">
-                <a:solidFill>
-                  <a:srgbClr val="FF0000"/>
-                </a:solidFill>
-              </a:rPr>
-              <a:t>()</a:t>
-            </a:r>
-          </a:p>
-          <a:p>
-            <a:pPr marL="1076325" lvl="4" indent="0">
-              <a:buNone/>
-            </a:pPr>
-            <a:r>
-              <a:rPr lang="en-US" dirty="0">
-                <a:solidFill>
-                  <a:srgbClr val="FF0000"/>
-                </a:solidFill>
-              </a:rPr>
-              <a:t>    .</a:t>
-            </a:r>
-            <a:r>
-              <a:rPr lang="en-US" dirty="0" err="1">
-                <a:solidFill>
-                  <a:srgbClr val="FF0000"/>
-                </a:solidFill>
-              </a:rPr>
-              <a:t>uri</a:t>
-            </a:r>
-            <a:r>
-              <a:rPr lang="en-US" dirty="0">
-                <a:solidFill>
-                  <a:srgbClr val="FF0000"/>
-                </a:solidFill>
-              </a:rPr>
-              <a:t>("/employees/{id}", 123)</a:t>
-            </a:r>
-          </a:p>
-          <a:p>
-            <a:pPr marL="1076325" lvl="4" indent="0">
-              <a:buNone/>
-            </a:pPr>
-            <a:r>
-              <a:rPr lang="en-US" dirty="0">
-                <a:solidFill>
-                  <a:srgbClr val="FF0000"/>
-                </a:solidFill>
-              </a:rPr>
-              <a:t>    .retrieve()</a:t>
-            </a:r>
-          </a:p>
-          <a:p>
-            <a:pPr marL="1076325" lvl="4" indent="0">
-              <a:buNone/>
-            </a:pPr>
-            <a:r>
-              <a:rPr lang="en-US" dirty="0">
-                <a:solidFill>
-                  <a:srgbClr val="FF0000"/>
-                </a:solidFill>
-              </a:rPr>
-              <a:t>    .</a:t>
-            </a:r>
-            <a:r>
-              <a:rPr lang="en-US" dirty="0" err="1">
-                <a:solidFill>
-                  <a:srgbClr val="FF0000"/>
-                </a:solidFill>
-              </a:rPr>
-              <a:t>bodyToMono</a:t>
-            </a:r>
-            <a:r>
-              <a:rPr lang="en-US" dirty="0">
-                <a:solidFill>
-                  <a:srgbClr val="FF0000"/>
-                </a:solidFill>
-              </a:rPr>
-              <a:t>(</a:t>
-            </a:r>
-            <a:r>
-              <a:rPr lang="en-US" dirty="0" err="1">
-                <a:solidFill>
-                  <a:srgbClr val="FF0000"/>
-                </a:solidFill>
-              </a:rPr>
-              <a:t>Employee.class</a:t>
-            </a:r>
-            <a:r>
-              <a:rPr lang="en-US" dirty="0">
-                <a:solidFill>
-                  <a:srgbClr val="FF0000"/>
-                </a:solidFill>
-              </a:rPr>
-              <a:t>);</a:t>
-            </a:r>
-          </a:p>
-          <a:p>
-            <a:pPr marL="1076325" lvl="4" indent="0">
-              <a:buNone/>
-            </a:pPr>
-            <a:r>
-              <a:rPr lang="en-US" dirty="0">
-                <a:solidFill>
-                  <a:srgbClr val="FF0000"/>
-                </a:solidFill>
-              </a:rPr>
-              <a:t>	</a:t>
-            </a:r>
-          </a:p>
-          <a:p>
-            <a:pPr marL="1076325" lvl="4" indent="0">
-              <a:buNone/>
-            </a:pPr>
-            <a:r>
-              <a:rPr lang="en-US" dirty="0">
-                <a:solidFill>
-                  <a:srgbClr val="FF0000"/>
-                </a:solidFill>
-              </a:rPr>
-              <a:t>	</a:t>
-            </a:r>
-          </a:p>
-          <a:p>
-            <a:pPr marL="1076325" lvl="4" indent="0">
-              <a:buNone/>
-            </a:pPr>
-            <a:r>
-              <a:rPr lang="en-US" dirty="0">
-                <a:solidFill>
-                  <a:srgbClr val="FF0000"/>
-                </a:solidFill>
-              </a:rPr>
-              <a:t>Mono&lt;</a:t>
-            </a:r>
-            <a:r>
-              <a:rPr lang="en-US" dirty="0" err="1">
-                <a:solidFill>
-                  <a:srgbClr val="FF0000"/>
-                </a:solidFill>
-              </a:rPr>
-              <a:t>ClientResponse</a:t>
-            </a:r>
-            <a:r>
-              <a:rPr lang="en-US" dirty="0">
-                <a:solidFill>
-                  <a:srgbClr val="FF0000"/>
-                </a:solidFill>
-              </a:rPr>
-              <a:t>&gt; </a:t>
-            </a:r>
-            <a:r>
-              <a:rPr lang="en-US" dirty="0" err="1">
-                <a:solidFill>
-                  <a:srgbClr val="FF0000"/>
-                </a:solidFill>
-              </a:rPr>
-              <a:t>responseMono</a:t>
-            </a:r>
-            <a:r>
-              <a:rPr lang="en-US" dirty="0">
+              <a:rPr lang="en-US" sz="1800" dirty="0" err="1">
+                <a:solidFill>
+                  <a:srgbClr val="FF0000"/>
+                </a:solidFill>
+              </a:rPr>
+              <a:t>WebClient.create</a:t>
+            </a:r>
+            <a:r>
+              <a:rPr lang="en-US" sz="1800" dirty="0">
+                <a:solidFill>
+                  <a:srgbClr val="FF0000"/>
+                </a:solidFill>
+              </a:rPr>
+              <a:t>();  </a:t>
+            </a:r>
+          </a:p>
+          <a:p>
+            <a:pPr marL="533400" lvl="2" indent="0">
+              <a:buNone/>
+            </a:pPr>
+            <a:r>
+              <a:rPr lang="en-US" sz="1800" dirty="0" err="1">
+                <a:solidFill>
+                  <a:srgbClr val="FF0000"/>
+                </a:solidFill>
+              </a:rPr>
+              <a:t>WebClient</a:t>
+            </a:r>
+            <a:r>
+              <a:rPr lang="en-US" sz="1800" dirty="0">
+                <a:solidFill>
+                  <a:srgbClr val="FF0000"/>
+                </a:solidFill>
+              </a:rPr>
+              <a:t> </a:t>
+            </a:r>
+            <a:r>
+              <a:rPr lang="en-US" sz="1800" dirty="0" err="1">
+                <a:solidFill>
+                  <a:srgbClr val="FF0000"/>
+                </a:solidFill>
+              </a:rPr>
+              <a:t>webClient</a:t>
+            </a:r>
+            <a:r>
+              <a:rPr lang="en-US" sz="1800" dirty="0">
                 <a:solidFill>
                   <a:srgbClr val="FF0000"/>
                 </a:solidFill>
@@ -7078,62 +6745,20 @@
               <a:t> = </a:t>
             </a:r>
             <a:r>
-              <a:rPr lang="en-US" dirty="0" err="1">
-                <a:solidFill>
-                  <a:srgbClr val="FF0000"/>
-                </a:solidFill>
-              </a:rPr>
-              <a:t>webClient.get</a:t>
-            </a:r>
-            <a:r>
-              <a:rPr lang="en-US" dirty="0">
-                <a:solidFill>
-                  <a:srgbClr val="FF0000"/>
-                </a:solidFill>
-              </a:rPr>
-              <a:t>()</a:t>
-            </a:r>
-          </a:p>
-          <a:p>
-            <a:pPr marL="1076325" lvl="4" indent="0">
-              <a:buNone/>
-            </a:pPr>
-            <a:r>
-              <a:rPr lang="en-US" dirty="0">
-                <a:solidFill>
-                  <a:srgbClr val="FF0000"/>
-                </a:solidFill>
-              </a:rPr>
-              <a:t>    .</a:t>
-            </a:r>
-            <a:r>
-              <a:rPr lang="en-US" dirty="0" err="1">
-                <a:solidFill>
-                  <a:srgbClr val="FF0000"/>
-                </a:solidFill>
-              </a:rPr>
-              <a:t>uri</a:t>
-            </a:r>
-            <a:r>
-              <a:rPr lang="en-US" dirty="0">
-                <a:solidFill>
-                  <a:srgbClr val="FF0000"/>
-                </a:solidFill>
-              </a:rPr>
-              <a:t>("/employees/{id}", 123)</a:t>
-            </a:r>
-          </a:p>
-          <a:p>
-            <a:pPr marL="1076325" lvl="4" indent="0">
-              <a:buNone/>
-            </a:pPr>
-            <a:r>
-              <a:rPr lang="en-US" dirty="0">
-                <a:solidFill>
-                  <a:srgbClr val="FF0000"/>
-                </a:solidFill>
-              </a:rPr>
-              <a:t>    .exchange();</a:t>
+              <a:rPr lang="en-US" sz="1800" dirty="0" err="1">
+                <a:solidFill>
+                  <a:srgbClr val="FF0000"/>
+                </a:solidFill>
+              </a:rPr>
+              <a:t>WebClient.create</a:t>
+            </a:r>
+            <a:r>
+              <a:rPr lang="en-US" sz="1800" dirty="0">
+                <a:solidFill>
+                  <a:srgbClr val="FF0000"/>
+                </a:solidFill>
+              </a:rPr>
+              <a:t>("https://client-domain.com"); </a:t>
             </a:r>
           </a:p>
         </p:txBody>
@@ -7141,7 +6766,7 @@
     </p:spTree>
     <p:extLst>
       <p:ext uri="{BB962C8B-B14F-4D97-AF65-F5344CB8AC3E}">
-        <p14:creationId xmlns:p14="http://schemas.microsoft.com/office/powerpoint/2010/main" val="1322908935"/>
+        <p14:creationId xmlns:p14="http://schemas.microsoft.com/office/powerpoint/2010/main" val="1004484924"/>
       </p:ext>
     </p:extLst>
   </p:cSld>
@@ -7320,6 +6945,562 @@
           <a:lstStyle/>
           <a:p>
             <a:r>
+              <a:rPr lang="en-IN" b="0" dirty="0"/>
+              <a:t>W</a:t>
+            </a:r>
+            <a:r>
+              <a:rPr lang="en-US" b="0" dirty="0" err="1"/>
+              <a:t>ebClient</a:t>
+            </a:r>
+            <a:r>
+              <a:rPr lang="en-US" b="0" dirty="0"/>
+              <a:t> Builder API</a:t>
+            </a:r>
+          </a:p>
+        </p:txBody>
+      </p:sp>
+      <p:sp>
+        <p:nvSpPr>
+          <p:cNvPr id="33795" name="Rectangle 3"/>
+          <p:cNvSpPr>
+            <a:spLocks noGrp="1" noChangeArrowheads="1"/>
+          </p:cNvSpPr>
+          <p:nvPr>
+            <p:ph type="body" idx="1"/>
+          </p:nvPr>
+        </p:nvSpPr>
+        <p:spPr>
+          <a:xfrm>
+            <a:off x="0" y="1295400"/>
+            <a:ext cx="8964488" cy="5334000"/>
+          </a:xfrm>
+        </p:spPr>
+        <p:txBody>
+          <a:bodyPr/>
+          <a:lstStyle/>
+          <a:p>
+            <a:pPr marL="276225" lvl="1" indent="0">
+              <a:buNone/>
+            </a:pPr>
+            <a:r>
+              <a:rPr lang="en-US" sz="1500" dirty="0">
+                <a:solidFill>
+                  <a:srgbClr val="FF0000"/>
+                </a:solidFill>
+              </a:rPr>
+              <a:t> </a:t>
+            </a:r>
+            <a:r>
+              <a:rPr lang="en-US" sz="1500" dirty="0" err="1">
+                <a:solidFill>
+                  <a:srgbClr val="FF0000"/>
+                </a:solidFill>
+              </a:rPr>
+              <a:t>WebClient</a:t>
+            </a:r>
+            <a:r>
+              <a:rPr lang="en-US" sz="1500" dirty="0">
+                <a:solidFill>
+                  <a:srgbClr val="FF0000"/>
+                </a:solidFill>
+              </a:rPr>
+              <a:t> </a:t>
+            </a:r>
+            <a:r>
+              <a:rPr lang="en-US" sz="1500" dirty="0" err="1">
+                <a:solidFill>
+                  <a:srgbClr val="FF0000"/>
+                </a:solidFill>
+              </a:rPr>
+              <a:t>webClient</a:t>
+            </a:r>
+            <a:r>
+              <a:rPr lang="en-US" sz="1500" dirty="0">
+                <a:solidFill>
+                  <a:srgbClr val="FF0000"/>
+                </a:solidFill>
+              </a:rPr>
+              <a:t> = </a:t>
+            </a:r>
+            <a:r>
+              <a:rPr lang="en-US" sz="1500" dirty="0" err="1">
+                <a:solidFill>
+                  <a:srgbClr val="FF0000"/>
+                </a:solidFill>
+              </a:rPr>
+              <a:t>WebClient.builder</a:t>
+            </a:r>
+            <a:r>
+              <a:rPr lang="en-US" sz="1500" dirty="0">
+                <a:solidFill>
+                  <a:srgbClr val="FF0000"/>
+                </a:solidFill>
+              </a:rPr>
+              <a:t>()</a:t>
+            </a:r>
+          </a:p>
+          <a:p>
+            <a:pPr marL="276225" lvl="1" indent="0">
+              <a:buNone/>
+            </a:pPr>
+            <a:r>
+              <a:rPr lang="en-US" sz="1500" dirty="0">
+                <a:solidFill>
+                  <a:srgbClr val="FF0000"/>
+                </a:solidFill>
+              </a:rPr>
+              <a:t>      .</a:t>
+            </a:r>
+            <a:r>
+              <a:rPr lang="en-US" sz="1500" dirty="0" err="1">
+                <a:solidFill>
+                  <a:srgbClr val="FF0000"/>
+                </a:solidFill>
+              </a:rPr>
+              <a:t>baseUrl</a:t>
+            </a:r>
+            <a:r>
+              <a:rPr lang="en-US" sz="1500" dirty="0">
+                <a:solidFill>
+                  <a:srgbClr val="FF0000"/>
+                </a:solidFill>
+              </a:rPr>
+              <a:t>("http://localhost:3000")</a:t>
+            </a:r>
+          </a:p>
+          <a:p>
+            <a:pPr marL="276225" lvl="1" indent="0">
+              <a:buNone/>
+            </a:pPr>
+            <a:r>
+              <a:rPr lang="en-US" sz="1500" dirty="0">
+                <a:solidFill>
+                  <a:srgbClr val="FF0000"/>
+                </a:solidFill>
+              </a:rPr>
+              <a:t>      .</a:t>
+            </a:r>
+            <a:r>
+              <a:rPr lang="en-US" sz="1500" dirty="0" err="1">
+                <a:solidFill>
+                  <a:srgbClr val="FF0000"/>
+                </a:solidFill>
+              </a:rPr>
+              <a:t>defaultCookie</a:t>
+            </a:r>
+            <a:r>
+              <a:rPr lang="en-US" sz="1500" dirty="0">
+                <a:solidFill>
+                  <a:srgbClr val="FF0000"/>
+                </a:solidFill>
+              </a:rPr>
+              <a:t>("cookie-name", "cookie-value")</a:t>
+            </a:r>
+          </a:p>
+          <a:p>
+            <a:pPr marL="276225" lvl="1" indent="0">
+              <a:buNone/>
+            </a:pPr>
+            <a:r>
+              <a:rPr lang="en-US" sz="1500" dirty="0">
+                <a:solidFill>
+                  <a:srgbClr val="FF0000"/>
+                </a:solidFill>
+              </a:rPr>
+              <a:t>      .</a:t>
+            </a:r>
+            <a:r>
+              <a:rPr lang="en-US" sz="1500" dirty="0" err="1">
+                <a:solidFill>
+                  <a:srgbClr val="FF0000"/>
+                </a:solidFill>
+              </a:rPr>
+              <a:t>defaultHeader</a:t>
+            </a:r>
+            <a:r>
+              <a:rPr lang="en-US" sz="1500" dirty="0">
+                <a:solidFill>
+                  <a:srgbClr val="FF0000"/>
+                </a:solidFill>
+              </a:rPr>
+              <a:t>(</a:t>
+            </a:r>
+            <a:r>
+              <a:rPr lang="en-US" sz="1500" dirty="0" err="1">
+                <a:solidFill>
+                  <a:srgbClr val="FF0000"/>
+                </a:solidFill>
+              </a:rPr>
+              <a:t>HttpHeaders.CONTENT_TYPE</a:t>
+            </a:r>
+            <a:r>
+              <a:rPr lang="en-US" sz="1500" dirty="0">
+                <a:solidFill>
+                  <a:srgbClr val="FF0000"/>
+                </a:solidFill>
+              </a:rPr>
+              <a:t>, </a:t>
+            </a:r>
+            <a:r>
+              <a:rPr lang="en-US" sz="1500" dirty="0" err="1">
+                <a:solidFill>
+                  <a:srgbClr val="FF0000"/>
+                </a:solidFill>
+              </a:rPr>
+              <a:t>MediaType.APPLICATION_JSON_VALUE</a:t>
+            </a:r>
+            <a:r>
+              <a:rPr lang="en-US" sz="1500" dirty="0">
+                <a:solidFill>
+                  <a:srgbClr val="FF0000"/>
+                </a:solidFill>
+              </a:rPr>
+              <a:t>)</a:t>
+            </a:r>
+          </a:p>
+          <a:p>
+            <a:pPr marL="276225" lvl="1" indent="0">
+              <a:buNone/>
+            </a:pPr>
+            <a:r>
+              <a:rPr lang="en-US" sz="1500" dirty="0">
+                <a:solidFill>
+                  <a:srgbClr val="FF0000"/>
+                </a:solidFill>
+              </a:rPr>
+              <a:t>      .build();</a:t>
+            </a:r>
+          </a:p>
+          <a:p>
+            <a:pPr marL="276225" lvl="1" indent="0">
+              <a:buNone/>
+            </a:pPr>
+            <a:endParaRPr lang="en-US" sz="1500" dirty="0">
+              <a:solidFill>
+                <a:schemeClr val="tx1"/>
+              </a:solidFill>
+            </a:endParaRPr>
+          </a:p>
+          <a:p>
+            <a:pPr lvl="1"/>
+            <a:r>
+              <a:rPr lang="en-US" sz="1500" dirty="0">
+                <a:solidFill>
+                  <a:schemeClr val="tx1"/>
+                </a:solidFill>
+              </a:rPr>
+              <a:t>Sending requests</a:t>
+            </a:r>
+          </a:p>
+          <a:p>
+            <a:pPr marL="1076325" lvl="4" indent="0">
+              <a:buNone/>
+            </a:pPr>
+            <a:r>
+              <a:rPr lang="en-US" dirty="0">
+                <a:solidFill>
+                  <a:srgbClr val="FF0000"/>
+                </a:solidFill>
+              </a:rPr>
+              <a:t>Mono&lt;Employee&gt; </a:t>
+            </a:r>
+            <a:r>
+              <a:rPr lang="en-US" dirty="0" err="1">
+                <a:solidFill>
+                  <a:srgbClr val="FF0000"/>
+                </a:solidFill>
+              </a:rPr>
+              <a:t>employeeMono</a:t>
+            </a:r>
+            <a:r>
+              <a:rPr lang="en-US" dirty="0">
+                <a:solidFill>
+                  <a:srgbClr val="FF0000"/>
+                </a:solidFill>
+              </a:rPr>
+              <a:t> = </a:t>
+            </a:r>
+            <a:r>
+              <a:rPr lang="en-US" dirty="0" err="1">
+                <a:solidFill>
+                  <a:srgbClr val="FF0000"/>
+                </a:solidFill>
+              </a:rPr>
+              <a:t>webClient.get</a:t>
+            </a:r>
+            <a:r>
+              <a:rPr lang="en-US" dirty="0">
+                <a:solidFill>
+                  <a:srgbClr val="FF0000"/>
+                </a:solidFill>
+              </a:rPr>
+              <a:t>()</a:t>
+            </a:r>
+          </a:p>
+          <a:p>
+            <a:pPr marL="1076325" lvl="4" indent="0">
+              <a:buNone/>
+            </a:pPr>
+            <a:r>
+              <a:rPr lang="en-US" dirty="0">
+                <a:solidFill>
+                  <a:srgbClr val="FF0000"/>
+                </a:solidFill>
+              </a:rPr>
+              <a:t>    .</a:t>
+            </a:r>
+            <a:r>
+              <a:rPr lang="en-US" dirty="0" err="1">
+                <a:solidFill>
+                  <a:srgbClr val="FF0000"/>
+                </a:solidFill>
+              </a:rPr>
+              <a:t>uri</a:t>
+            </a:r>
+            <a:r>
+              <a:rPr lang="en-US" dirty="0">
+                <a:solidFill>
+                  <a:srgbClr val="FF0000"/>
+                </a:solidFill>
+              </a:rPr>
+              <a:t>("/employees/{id}", 123)</a:t>
+            </a:r>
+          </a:p>
+          <a:p>
+            <a:pPr marL="1076325" lvl="4" indent="0">
+              <a:buNone/>
+            </a:pPr>
+            <a:r>
+              <a:rPr lang="en-US" dirty="0">
+                <a:solidFill>
+                  <a:srgbClr val="FF0000"/>
+                </a:solidFill>
+              </a:rPr>
+              <a:t>    .retrieve()</a:t>
+            </a:r>
+          </a:p>
+          <a:p>
+            <a:pPr marL="1076325" lvl="4" indent="0">
+              <a:buNone/>
+            </a:pPr>
+            <a:r>
+              <a:rPr lang="en-US" dirty="0">
+                <a:solidFill>
+                  <a:srgbClr val="FF0000"/>
+                </a:solidFill>
+              </a:rPr>
+              <a:t>    .</a:t>
+            </a:r>
+            <a:r>
+              <a:rPr lang="en-US" dirty="0" err="1">
+                <a:solidFill>
+                  <a:srgbClr val="FF0000"/>
+                </a:solidFill>
+              </a:rPr>
+              <a:t>bodyToMono</a:t>
+            </a:r>
+            <a:r>
+              <a:rPr lang="en-US" dirty="0">
+                <a:solidFill>
+                  <a:srgbClr val="FF0000"/>
+                </a:solidFill>
+              </a:rPr>
+              <a:t>(</a:t>
+            </a:r>
+            <a:r>
+              <a:rPr lang="en-US" dirty="0" err="1">
+                <a:solidFill>
+                  <a:srgbClr val="FF0000"/>
+                </a:solidFill>
+              </a:rPr>
+              <a:t>Employee.class</a:t>
+            </a:r>
+            <a:r>
+              <a:rPr lang="en-US" dirty="0">
+                <a:solidFill>
+                  <a:srgbClr val="FF0000"/>
+                </a:solidFill>
+              </a:rPr>
+              <a:t>);</a:t>
+            </a:r>
+          </a:p>
+          <a:p>
+            <a:pPr marL="1076325" lvl="4" indent="0">
+              <a:buNone/>
+            </a:pPr>
+            <a:r>
+              <a:rPr lang="en-US" dirty="0">
+                <a:solidFill>
+                  <a:srgbClr val="FF0000"/>
+                </a:solidFill>
+              </a:rPr>
+              <a:t>	</a:t>
+            </a:r>
+          </a:p>
+          <a:p>
+            <a:pPr marL="1076325" lvl="4" indent="0">
+              <a:buNone/>
+            </a:pPr>
+            <a:r>
+              <a:rPr lang="en-US" dirty="0">
+                <a:solidFill>
+                  <a:srgbClr val="FF0000"/>
+                </a:solidFill>
+              </a:rPr>
+              <a:t>	</a:t>
+            </a:r>
+          </a:p>
+          <a:p>
+            <a:pPr marL="1076325" lvl="4" indent="0">
+              <a:buNone/>
+            </a:pPr>
+            <a:r>
+              <a:rPr lang="en-US" dirty="0">
+                <a:solidFill>
+                  <a:srgbClr val="FF0000"/>
+                </a:solidFill>
+              </a:rPr>
+              <a:t>Mono&lt;</a:t>
+            </a:r>
+            <a:r>
+              <a:rPr lang="en-US" dirty="0" err="1">
+                <a:solidFill>
+                  <a:srgbClr val="FF0000"/>
+                </a:solidFill>
+              </a:rPr>
+              <a:t>ClientResponse</a:t>
+            </a:r>
+            <a:r>
+              <a:rPr lang="en-US" dirty="0">
+                <a:solidFill>
+                  <a:srgbClr val="FF0000"/>
+                </a:solidFill>
+              </a:rPr>
+              <a:t>&gt; </a:t>
+            </a:r>
+            <a:r>
+              <a:rPr lang="en-US" dirty="0" err="1">
+                <a:solidFill>
+                  <a:srgbClr val="FF0000"/>
+                </a:solidFill>
+              </a:rPr>
+              <a:t>responseMono</a:t>
+            </a:r>
+            <a:r>
+              <a:rPr lang="en-US" dirty="0">
+                <a:solidFill>
+                  <a:srgbClr val="FF0000"/>
+                </a:solidFill>
+              </a:rPr>
+              <a:t> = </a:t>
+            </a:r>
+            <a:r>
+              <a:rPr lang="en-US" dirty="0" err="1">
+                <a:solidFill>
+                  <a:srgbClr val="FF0000"/>
+                </a:solidFill>
+              </a:rPr>
+              <a:t>webClient.get</a:t>
+            </a:r>
+            <a:r>
+              <a:rPr lang="en-US" dirty="0">
+                <a:solidFill>
+                  <a:srgbClr val="FF0000"/>
+                </a:solidFill>
+              </a:rPr>
+              <a:t>()</a:t>
+            </a:r>
+          </a:p>
+          <a:p>
+            <a:pPr marL="1076325" lvl="4" indent="0">
+              <a:buNone/>
+            </a:pPr>
+            <a:r>
+              <a:rPr lang="en-US" dirty="0">
+                <a:solidFill>
+                  <a:srgbClr val="FF0000"/>
+                </a:solidFill>
+              </a:rPr>
+              <a:t>    .</a:t>
+            </a:r>
+            <a:r>
+              <a:rPr lang="en-US" dirty="0" err="1">
+                <a:solidFill>
+                  <a:srgbClr val="FF0000"/>
+                </a:solidFill>
+              </a:rPr>
+              <a:t>uri</a:t>
+            </a:r>
+            <a:r>
+              <a:rPr lang="en-US" dirty="0">
+                <a:solidFill>
+                  <a:srgbClr val="FF0000"/>
+                </a:solidFill>
+              </a:rPr>
+              <a:t>("/employees/{id}", 123)</a:t>
+            </a:r>
+          </a:p>
+          <a:p>
+            <a:pPr marL="1076325" lvl="4" indent="0">
+              <a:buNone/>
+            </a:pPr>
+            <a:r>
+              <a:rPr lang="en-US" dirty="0">
+                <a:solidFill>
+                  <a:srgbClr val="FF0000"/>
+                </a:solidFill>
+              </a:rPr>
+              <a:t>    .exchange();</a:t>
+            </a:r>
+          </a:p>
+        </p:txBody>
+      </p:sp>
+    </p:spTree>
+    <p:extLst>
+      <p:ext uri="{BB962C8B-B14F-4D97-AF65-F5344CB8AC3E}">
+        <p14:creationId xmlns:p14="http://schemas.microsoft.com/office/powerpoint/2010/main" val="1322908935"/>
+      </p:ext>
+    </p:extLst>
+  </p:cSld>
+  <p:clrMapOvr>
+    <a:masterClrMapping/>
+  </p:clrMapOvr>
+</p:sld>
+</file>
+
+<file path=ppt/slides/slide21.xml><?xml version="1.0" encoding="utf-8"?>
+<p:sld xmlns:a="http://schemas.openxmlformats.org/drawingml/2006/main" xmlns:r="http://schemas.openxmlformats.org/officeDocument/2006/relationships" xmlns:p="http://schemas.openxmlformats.org/presentationml/2006/main">
+  <p:cSld>
+    <p:spTree>
+      <p:nvGrpSpPr>
+        <p:cNvPr id="1" name=""/>
+        <p:cNvGrpSpPr/>
+        <p:nvPr/>
+      </p:nvGrpSpPr>
+      <p:grpSpPr>
+        <a:xfrm>
+          <a:off x="0" y="0"/>
+          <a:ext cx="0" cy="0"/>
+          <a:chOff x="0" y="0"/>
+          <a:chExt cx="0" cy="0"/>
+        </a:xfrm>
+      </p:grpSpPr>
+      <p:sp>
+        <p:nvSpPr>
+          <p:cNvPr id="33794" name="Rectangle 2"/>
+          <p:cNvSpPr>
+            <a:spLocks noGrp="1" noChangeArrowheads="1"/>
+          </p:cNvSpPr>
+          <p:nvPr>
+            <p:ph type="title"/>
+          </p:nvPr>
+        </p:nvSpPr>
+        <p:spPr/>
+        <p:txBody>
+          <a:bodyPr/>
+          <a:lstStyle/>
+          <a:p>
+            <a:r>
               <a:rPr lang="en-IN" b="0" dirty="0" err="1"/>
               <a:t>FeignClient</a:t>
             </a:r>
@@ -7380,7 +7561,7 @@
             </a:r>
             <a:r>
               <a:rPr lang="en-US" dirty="0" err="1"/>
-              <a:t>FiegnClient</a:t>
+              <a:t>FeignClient</a:t>
             </a:r>
             <a:endParaRPr lang="en-US" dirty="0"/>
           </a:p>
@@ -7577,7 +7758,7 @@
 </p:sld>
 </file>
 
-<file path=ppt/slides/slide21.xml><?xml version="1.0" encoding="utf-8"?>
+<file path=ppt/slides/slide22.xml><?xml version="1.0" encoding="utf-8"?>
 <p:sld xmlns:a="http://schemas.openxmlformats.org/drawingml/2006/main" xmlns:r="http://schemas.openxmlformats.org/officeDocument/2006/relationships" xmlns:p="http://schemas.openxmlformats.org/presentationml/2006/main">
   <p:cSld>
     <p:spTree>
